--- a/Semana 2.pptx
+++ b/Semana 2.pptx
@@ -7,12 +7,20 @@
   <p:sldIdLst>
     <p:sldId id="257" r:id="rId2"/>
     <p:sldId id="260" r:id="rId3"/>
-    <p:sldId id="261" r:id="rId4"/>
-    <p:sldId id="262" r:id="rId5"/>
-    <p:sldId id="263" r:id="rId6"/>
-    <p:sldId id="264" r:id="rId7"/>
-    <p:sldId id="265" r:id="rId8"/>
-    <p:sldId id="266" r:id="rId9"/>
+    <p:sldId id="267" r:id="rId4"/>
+    <p:sldId id="266" r:id="rId5"/>
+    <p:sldId id="261" r:id="rId6"/>
+    <p:sldId id="262" r:id="rId7"/>
+    <p:sldId id="263" r:id="rId8"/>
+    <p:sldId id="264" r:id="rId9"/>
+    <p:sldId id="271" r:id="rId10"/>
+    <p:sldId id="270" r:id="rId11"/>
+    <p:sldId id="272" r:id="rId12"/>
+    <p:sldId id="274" r:id="rId13"/>
+    <p:sldId id="268" r:id="rId14"/>
+    <p:sldId id="265" r:id="rId15"/>
+    <p:sldId id="269" r:id="rId16"/>
+    <p:sldId id="273" r:id="rId17"/>
   </p:sldIdLst>
   <p:sldSz cx="9144000" cy="6858000" type="screen4x3"/>
   <p:notesSz cx="6858000" cy="9144000"/>
@@ -302,7 +310,7 @@
           <a:p>
             <a:fld id="{2BD09FA6-5415-4E41-8EC0-843F16C90881}" type="datetimeFigureOut">
               <a:rPr lang="en-US" smtClean="0"/>
-              <a:t>1/12/2017</a:t>
+              <a:t>1/18/2017</a:t>
             </a:fld>
             <a:endParaRPr lang="en-US"/>
           </a:p>
@@ -502,7 +510,7 @@
           <a:p>
             <a:fld id="{2BD09FA6-5415-4E41-8EC0-843F16C90881}" type="datetimeFigureOut">
               <a:rPr lang="en-US" smtClean="0"/>
-              <a:t>1/12/2017</a:t>
+              <a:t>1/18/2017</a:t>
             </a:fld>
             <a:endParaRPr lang="en-US"/>
           </a:p>
@@ -677,7 +685,7 @@
           <a:p>
             <a:fld id="{2BD09FA6-5415-4E41-8EC0-843F16C90881}" type="datetimeFigureOut">
               <a:rPr lang="en-US" smtClean="0"/>
-              <a:t>1/12/2017</a:t>
+              <a:t>1/18/2017</a:t>
             </a:fld>
             <a:endParaRPr lang="en-US"/>
           </a:p>
@@ -842,7 +850,7 @@
           <a:p>
             <a:fld id="{2BD09FA6-5415-4E41-8EC0-843F16C90881}" type="datetimeFigureOut">
               <a:rPr lang="en-US" smtClean="0"/>
-              <a:t>1/12/2017</a:t>
+              <a:t>1/18/2017</a:t>
             </a:fld>
             <a:endParaRPr lang="en-US"/>
           </a:p>
@@ -1090,7 +1098,7 @@
           <a:p>
             <a:fld id="{2BD09FA6-5415-4E41-8EC0-843F16C90881}" type="datetimeFigureOut">
               <a:rPr lang="en-US" smtClean="0"/>
-              <a:t>1/12/2017</a:t>
+              <a:t>1/18/2017</a:t>
             </a:fld>
             <a:endParaRPr lang="en-US"/>
           </a:p>
@@ -1408,7 +1416,7 @@
           <a:p>
             <a:fld id="{2BD09FA6-5415-4E41-8EC0-843F16C90881}" type="datetimeFigureOut">
               <a:rPr lang="en-US" smtClean="0"/>
-              <a:t>1/12/2017</a:t>
+              <a:t>1/18/2017</a:t>
             </a:fld>
             <a:endParaRPr lang="en-US"/>
           </a:p>
@@ -1874,7 +1882,7 @@
           <a:p>
             <a:fld id="{2BD09FA6-5415-4E41-8EC0-843F16C90881}" type="datetimeFigureOut">
               <a:rPr lang="en-US" smtClean="0"/>
-              <a:t>1/12/2017</a:t>
+              <a:t>1/18/2017</a:t>
             </a:fld>
             <a:endParaRPr lang="en-US"/>
           </a:p>
@@ -2022,7 +2030,7 @@
           <a:p>
             <a:fld id="{2BD09FA6-5415-4E41-8EC0-843F16C90881}" type="datetimeFigureOut">
               <a:rPr lang="en-US" smtClean="0"/>
-              <a:t>1/12/2017</a:t>
+              <a:t>1/18/2017</a:t>
             </a:fld>
             <a:endParaRPr lang="en-US"/>
           </a:p>
@@ -2112,7 +2120,7 @@
           <a:p>
             <a:fld id="{2BD09FA6-5415-4E41-8EC0-843F16C90881}" type="datetimeFigureOut">
               <a:rPr lang="en-US" smtClean="0"/>
-              <a:t>1/12/2017</a:t>
+              <a:t>1/18/2017</a:t>
             </a:fld>
             <a:endParaRPr lang="en-US"/>
           </a:p>
@@ -2386,7 +2394,7 @@
           <a:p>
             <a:fld id="{2BD09FA6-5415-4E41-8EC0-843F16C90881}" type="datetimeFigureOut">
               <a:rPr lang="en-US" smtClean="0"/>
-              <a:t>1/12/2017</a:t>
+              <a:t>1/18/2017</a:t>
             </a:fld>
             <a:endParaRPr lang="en-US"/>
           </a:p>
@@ -2691,7 +2699,7 @@
           <a:p>
             <a:fld id="{2BD09FA6-5415-4E41-8EC0-843F16C90881}" type="datetimeFigureOut">
               <a:rPr lang="en-US" smtClean="0"/>
-              <a:t>1/12/2017</a:t>
+              <a:t>1/18/2017</a:t>
             </a:fld>
             <a:endParaRPr lang="en-US"/>
           </a:p>
@@ -2989,7 +2997,7 @@
           <a:p>
             <a:fld id="{2BD09FA6-5415-4E41-8EC0-843F16C90881}" type="datetimeFigureOut">
               <a:rPr lang="en-US" smtClean="0"/>
-              <a:t>1/12/2017</a:t>
+              <a:t>1/18/2017</a:t>
             </a:fld>
             <a:endParaRPr lang="en-US"/>
           </a:p>
@@ -3407,11 +3415,7 @@
             </a:r>
             <a:r>
               <a:rPr lang="en-US" dirty="0" smtClean="0"/>
-              <a:t> </a:t>
-            </a:r>
-            <a:r>
-              <a:rPr lang="en-US" dirty="0" smtClean="0"/>
-              <a:t>2</a:t>
+              <a:t> 2</a:t>
             </a:r>
             <a:endParaRPr lang="en-US" dirty="0"/>
           </a:p>
@@ -3496,6 +3500,1699 @@
     <p:extLst>
       <p:ext uri="{BB962C8B-B14F-4D97-AF65-F5344CB8AC3E}">
         <p14:creationId xmlns:p14="http://schemas.microsoft.com/office/powerpoint/2010/main" val="4116553065"/>
+      </p:ext>
+    </p:extLst>
+  </p:cSld>
+  <p:clrMapOvr>
+    <a:masterClrMapping/>
+  </p:clrMapOvr>
+  <p:timing>
+    <p:tnLst>
+      <p:par>
+        <p:cTn id="1" dur="indefinite" restart="never" nodeType="tmRoot"/>
+      </p:par>
+    </p:tnLst>
+  </p:timing>
+</p:sld>
+</file>
+
+<file path=ppt/slides/slide10.xml><?xml version="1.0" encoding="utf-8"?>
+<p:sld xmlns:a="http://schemas.openxmlformats.org/drawingml/2006/main" xmlns:r="http://schemas.openxmlformats.org/officeDocument/2006/relationships" xmlns:p="http://schemas.openxmlformats.org/presentationml/2006/main">
+  <p:cSld>
+    <p:spTree>
+      <p:nvGrpSpPr>
+        <p:cNvPr id="1" name=""/>
+        <p:cNvGrpSpPr/>
+        <p:nvPr/>
+      </p:nvGrpSpPr>
+      <p:grpSpPr>
+        <a:xfrm>
+          <a:off x="0" y="0"/>
+          <a:ext cx="0" cy="0"/>
+          <a:chOff x="0" y="0"/>
+          <a:chExt cx="0" cy="0"/>
+        </a:xfrm>
+      </p:grpSpPr>
+      <p:sp>
+        <p:nvSpPr>
+          <p:cNvPr id="2" name="Title 1"/>
+          <p:cNvSpPr>
+            <a:spLocks noGrp="1"/>
+          </p:cNvSpPr>
+          <p:nvPr>
+            <p:ph type="title"/>
+          </p:nvPr>
+        </p:nvSpPr>
+        <p:spPr/>
+        <p:txBody>
+          <a:bodyPr/>
+          <a:lstStyle/>
+          <a:p>
+            <a:r>
+              <a:rPr lang="en-US" dirty="0" err="1" smtClean="0"/>
+              <a:t>Diagramas</a:t>
+            </a:r>
+            <a:r>
+              <a:rPr lang="en-US" dirty="0" smtClean="0"/>
+              <a:t> de </a:t>
+            </a:r>
+            <a:r>
+              <a:rPr lang="en-US" dirty="0" err="1" smtClean="0"/>
+              <a:t>flujo</a:t>
+            </a:r>
+            <a:r>
+              <a:rPr lang="en-US" dirty="0" smtClean="0"/>
+              <a:t> – </a:t>
+            </a:r>
+            <a:r>
+              <a:rPr lang="en-US" dirty="0" err="1" smtClean="0"/>
+              <a:t>Ejemplo</a:t>
+            </a:r>
+            <a:r>
+              <a:rPr lang="en-US" dirty="0" smtClean="0"/>
+              <a:t> 2</a:t>
+            </a:r>
+            <a:endParaRPr lang="en-US" dirty="0"/>
+          </a:p>
+        </p:txBody>
+      </p:sp>
+      <p:pic>
+        <p:nvPicPr>
+          <p:cNvPr id="4" name="Picture 3"/>
+          <p:cNvPicPr>
+            <a:picLocks noChangeAspect="1"/>
+          </p:cNvPicPr>
+          <p:nvPr/>
+        </p:nvPicPr>
+        <p:blipFill>
+          <a:blip r:embed="rId2">
+            <a:extLst>
+              <a:ext uri="{28A0092B-C50C-407E-A947-70E740481C1C}">
+                <a14:useLocalDpi xmlns:a14="http://schemas.microsoft.com/office/drawing/2010/main" val="0"/>
+              </a:ext>
+            </a:extLst>
+          </a:blip>
+          <a:stretch>
+            <a:fillRect/>
+          </a:stretch>
+        </p:blipFill>
+        <p:spPr>
+          <a:xfrm>
+            <a:off x="3276600" y="1457876"/>
+            <a:ext cx="2667000" cy="5400124"/>
+          </a:xfrm>
+          <a:prstGeom prst="rect">
+            <a:avLst/>
+          </a:prstGeom>
+        </p:spPr>
+      </p:pic>
+    </p:spTree>
+    <p:extLst>
+      <p:ext uri="{BB962C8B-B14F-4D97-AF65-F5344CB8AC3E}">
+        <p14:creationId xmlns:p14="http://schemas.microsoft.com/office/powerpoint/2010/main" val="3546295993"/>
+      </p:ext>
+    </p:extLst>
+  </p:cSld>
+  <p:clrMapOvr>
+    <a:masterClrMapping/>
+  </p:clrMapOvr>
+  <p:timing>
+    <p:tnLst>
+      <p:par>
+        <p:cTn id="1" dur="indefinite" restart="never" nodeType="tmRoot"/>
+      </p:par>
+    </p:tnLst>
+  </p:timing>
+</p:sld>
+</file>
+
+<file path=ppt/slides/slide11.xml><?xml version="1.0" encoding="utf-8"?>
+<p:sld xmlns:a="http://schemas.openxmlformats.org/drawingml/2006/main" xmlns:r="http://schemas.openxmlformats.org/officeDocument/2006/relationships" xmlns:p="http://schemas.openxmlformats.org/presentationml/2006/main">
+  <p:cSld>
+    <p:spTree>
+      <p:nvGrpSpPr>
+        <p:cNvPr id="1" name=""/>
+        <p:cNvGrpSpPr/>
+        <p:nvPr/>
+      </p:nvGrpSpPr>
+      <p:grpSpPr>
+        <a:xfrm>
+          <a:off x="0" y="0"/>
+          <a:ext cx="0" cy="0"/>
+          <a:chOff x="0" y="0"/>
+          <a:chExt cx="0" cy="0"/>
+        </a:xfrm>
+      </p:grpSpPr>
+      <p:sp>
+        <p:nvSpPr>
+          <p:cNvPr id="2" name="Title 1"/>
+          <p:cNvSpPr>
+            <a:spLocks noGrp="1"/>
+          </p:cNvSpPr>
+          <p:nvPr>
+            <p:ph type="title"/>
+          </p:nvPr>
+        </p:nvSpPr>
+        <p:spPr/>
+        <p:txBody>
+          <a:bodyPr/>
+          <a:lstStyle/>
+          <a:p>
+            <a:r>
+              <a:rPr lang="en-US" dirty="0" err="1"/>
+              <a:t>Diagramas</a:t>
+            </a:r>
+            <a:r>
+              <a:rPr lang="en-US" dirty="0"/>
+              <a:t> de </a:t>
+            </a:r>
+            <a:r>
+              <a:rPr lang="en-US" dirty="0" err="1"/>
+              <a:t>flujo</a:t>
+            </a:r>
+            <a:r>
+              <a:rPr lang="en-US" dirty="0"/>
+              <a:t> – </a:t>
+            </a:r>
+            <a:r>
+              <a:rPr lang="en-US" dirty="0" err="1"/>
+              <a:t>Ejemplo</a:t>
+            </a:r>
+            <a:r>
+              <a:rPr lang="en-US" dirty="0"/>
+              <a:t> </a:t>
+            </a:r>
+            <a:r>
+              <a:rPr lang="en-US" dirty="0" smtClean="0"/>
+              <a:t>3</a:t>
+            </a:r>
+            <a:endParaRPr lang="en-US" dirty="0"/>
+          </a:p>
+        </p:txBody>
+      </p:sp>
+      <p:sp>
+        <p:nvSpPr>
+          <p:cNvPr id="3" name="Content Placeholder 2"/>
+          <p:cNvSpPr>
+            <a:spLocks noGrp="1"/>
+          </p:cNvSpPr>
+          <p:nvPr>
+            <p:ph idx="1"/>
+          </p:nvPr>
+        </p:nvSpPr>
+        <p:spPr/>
+        <p:txBody>
+          <a:bodyPr/>
+          <a:lstStyle/>
+          <a:p>
+            <a:r>
+              <a:rPr lang="en-US" dirty="0" err="1" smtClean="0"/>
+              <a:t>Algoritmo</a:t>
+            </a:r>
+            <a:endParaRPr lang="en-US" dirty="0" smtClean="0"/>
+          </a:p>
+          <a:p>
+            <a:pPr lvl="1"/>
+            <a:r>
+              <a:rPr lang="en-US" dirty="0" smtClean="0"/>
+              <a:t>1. </a:t>
+            </a:r>
+            <a:r>
+              <a:rPr lang="en-US" dirty="0" err="1" smtClean="0"/>
+              <a:t>Inicio</a:t>
+            </a:r>
+            <a:r>
+              <a:rPr lang="en-US" dirty="0" smtClean="0"/>
+              <a:t> </a:t>
+            </a:r>
+          </a:p>
+          <a:p>
+            <a:pPr lvl="1"/>
+            <a:r>
+              <a:rPr lang="en-US" dirty="0" smtClean="0"/>
+              <a:t>2. Leer el valor de A</a:t>
+            </a:r>
+          </a:p>
+          <a:p>
+            <a:pPr lvl="1"/>
+            <a:r>
+              <a:rPr lang="en-US" dirty="0" smtClean="0"/>
+              <a:t>2. Leer el valor de B</a:t>
+            </a:r>
+          </a:p>
+          <a:p>
+            <a:pPr lvl="1"/>
+            <a:r>
+              <a:rPr lang="en-US" dirty="0" smtClean="0"/>
+              <a:t>3. Si A </a:t>
+            </a:r>
+            <a:r>
+              <a:rPr lang="en-US" dirty="0" err="1" smtClean="0"/>
+              <a:t>es</a:t>
+            </a:r>
+            <a:r>
+              <a:rPr lang="en-US" dirty="0" smtClean="0"/>
+              <a:t> mayor a B </a:t>
+            </a:r>
+            <a:r>
+              <a:rPr lang="en-US" dirty="0" err="1" smtClean="0"/>
+              <a:t>siga</a:t>
+            </a:r>
+            <a:r>
+              <a:rPr lang="en-US" dirty="0" smtClean="0"/>
+              <a:t> al </a:t>
+            </a:r>
+            <a:r>
+              <a:rPr lang="en-US" dirty="0" err="1" smtClean="0"/>
+              <a:t>paso</a:t>
+            </a:r>
+            <a:r>
+              <a:rPr lang="en-US" dirty="0" smtClean="0"/>
+              <a:t> 6</a:t>
+            </a:r>
+          </a:p>
+          <a:p>
+            <a:pPr lvl="1"/>
+            <a:r>
+              <a:rPr lang="en-US" dirty="0" smtClean="0"/>
+              <a:t>4. Si A no </a:t>
+            </a:r>
+            <a:r>
+              <a:rPr lang="en-US" dirty="0" err="1" smtClean="0"/>
+              <a:t>es</a:t>
+            </a:r>
+            <a:r>
+              <a:rPr lang="en-US" dirty="0" smtClean="0"/>
+              <a:t> mayor a B </a:t>
+            </a:r>
+            <a:r>
+              <a:rPr lang="en-US" dirty="0" err="1" smtClean="0"/>
+              <a:t>siga</a:t>
+            </a:r>
+            <a:r>
+              <a:rPr lang="en-US" dirty="0" smtClean="0"/>
+              <a:t> al </a:t>
+            </a:r>
+            <a:r>
+              <a:rPr lang="en-US" dirty="0" err="1" smtClean="0"/>
+              <a:t>paso</a:t>
+            </a:r>
+            <a:r>
+              <a:rPr lang="en-US" dirty="0" smtClean="0"/>
+              <a:t> 7</a:t>
+            </a:r>
+          </a:p>
+          <a:p>
+            <a:pPr lvl="1"/>
+            <a:r>
+              <a:rPr lang="en-US" dirty="0" smtClean="0"/>
+              <a:t>5. Si A </a:t>
+            </a:r>
+            <a:r>
+              <a:rPr lang="en-US" dirty="0" err="1" smtClean="0"/>
+              <a:t>es</a:t>
+            </a:r>
+            <a:r>
+              <a:rPr lang="en-US" dirty="0" smtClean="0"/>
+              <a:t> </a:t>
+            </a:r>
+            <a:r>
+              <a:rPr lang="en-US" dirty="0" err="1" smtClean="0"/>
+              <a:t>igual</a:t>
+            </a:r>
+            <a:r>
+              <a:rPr lang="en-US" dirty="0" smtClean="0"/>
+              <a:t> a B </a:t>
+            </a:r>
+            <a:r>
+              <a:rPr lang="en-US" dirty="0" err="1" smtClean="0"/>
+              <a:t>siga</a:t>
+            </a:r>
+            <a:r>
+              <a:rPr lang="en-US" dirty="0" smtClean="0"/>
+              <a:t> al </a:t>
+            </a:r>
+            <a:r>
+              <a:rPr lang="en-US" dirty="0" err="1" smtClean="0"/>
+              <a:t>paso</a:t>
+            </a:r>
+            <a:r>
+              <a:rPr lang="en-US" dirty="0" smtClean="0"/>
+              <a:t> 8</a:t>
+            </a:r>
+          </a:p>
+          <a:p>
+            <a:pPr lvl="1"/>
+            <a:r>
+              <a:rPr lang="en-US" dirty="0"/>
+              <a:t>6</a:t>
+            </a:r>
+            <a:r>
+              <a:rPr lang="en-US" dirty="0" smtClean="0"/>
+              <a:t>. </a:t>
+            </a:r>
+            <a:r>
+              <a:rPr lang="en-US" dirty="0" err="1" smtClean="0"/>
+              <a:t>Imprima</a:t>
+            </a:r>
+            <a:r>
+              <a:rPr lang="en-US" dirty="0" smtClean="0"/>
+              <a:t> “A </a:t>
+            </a:r>
+            <a:r>
+              <a:rPr lang="en-US" dirty="0" err="1" smtClean="0"/>
+              <a:t>es</a:t>
+            </a:r>
+            <a:r>
+              <a:rPr lang="en-US" dirty="0" smtClean="0"/>
+              <a:t> mayor a B”</a:t>
+            </a:r>
+          </a:p>
+          <a:p>
+            <a:pPr lvl="1"/>
+            <a:r>
+              <a:rPr lang="en-US" dirty="0"/>
+              <a:t>7</a:t>
+            </a:r>
+            <a:r>
+              <a:rPr lang="en-US" dirty="0" smtClean="0"/>
+              <a:t>. </a:t>
+            </a:r>
+            <a:r>
+              <a:rPr lang="en-US" dirty="0" err="1" smtClean="0"/>
+              <a:t>Imprima</a:t>
+            </a:r>
+            <a:r>
+              <a:rPr lang="en-US" dirty="0" smtClean="0"/>
+              <a:t> “B </a:t>
+            </a:r>
+            <a:r>
+              <a:rPr lang="en-US" dirty="0" err="1" smtClean="0"/>
+              <a:t>es</a:t>
+            </a:r>
+            <a:r>
+              <a:rPr lang="en-US" dirty="0" smtClean="0"/>
+              <a:t> mayor a </a:t>
+            </a:r>
+            <a:r>
+              <a:rPr lang="en-US" dirty="0" err="1" smtClean="0"/>
+              <a:t>A</a:t>
+            </a:r>
+            <a:r>
+              <a:rPr lang="en-US" dirty="0" smtClean="0"/>
+              <a:t>”</a:t>
+            </a:r>
+          </a:p>
+          <a:p>
+            <a:pPr lvl="1"/>
+            <a:r>
+              <a:rPr lang="en-US" dirty="0" smtClean="0"/>
+              <a:t>8. </a:t>
+            </a:r>
+            <a:r>
+              <a:rPr lang="en-US" dirty="0" err="1" smtClean="0"/>
+              <a:t>Imprima</a:t>
+            </a:r>
+            <a:r>
+              <a:rPr lang="en-US" dirty="0" smtClean="0"/>
+              <a:t> “A </a:t>
+            </a:r>
+            <a:r>
+              <a:rPr lang="en-US" dirty="0" err="1" smtClean="0"/>
+              <a:t>es</a:t>
+            </a:r>
+            <a:r>
+              <a:rPr lang="en-US" dirty="0" smtClean="0"/>
+              <a:t> </a:t>
+            </a:r>
+            <a:r>
+              <a:rPr lang="en-US" dirty="0" err="1" smtClean="0"/>
+              <a:t>igual</a:t>
+            </a:r>
+            <a:r>
+              <a:rPr lang="en-US" dirty="0" smtClean="0"/>
+              <a:t> a B”</a:t>
+            </a:r>
+          </a:p>
+          <a:p>
+            <a:pPr lvl="1"/>
+            <a:r>
+              <a:rPr lang="en-US" dirty="0"/>
+              <a:t>9</a:t>
+            </a:r>
+            <a:r>
+              <a:rPr lang="en-US" dirty="0" smtClean="0"/>
+              <a:t>. Fin</a:t>
+            </a:r>
+          </a:p>
+          <a:p>
+            <a:r>
+              <a:rPr lang="en-US" dirty="0" err="1" smtClean="0"/>
+              <a:t>Dibuje</a:t>
+            </a:r>
+            <a:r>
+              <a:rPr lang="en-US" dirty="0" smtClean="0"/>
+              <a:t> un </a:t>
+            </a:r>
+            <a:r>
+              <a:rPr lang="en-US" dirty="0" err="1" smtClean="0"/>
+              <a:t>diagrama</a:t>
+            </a:r>
+            <a:r>
+              <a:rPr lang="en-US" dirty="0" smtClean="0"/>
+              <a:t> de </a:t>
+            </a:r>
+            <a:r>
+              <a:rPr lang="en-US" dirty="0" err="1" smtClean="0"/>
+              <a:t>flujo</a:t>
+            </a:r>
+            <a:r>
+              <a:rPr lang="en-US" dirty="0" smtClean="0"/>
+              <a:t> </a:t>
+            </a:r>
+            <a:r>
+              <a:rPr lang="en-US" dirty="0" err="1" smtClean="0"/>
+              <a:t>que</a:t>
+            </a:r>
+            <a:r>
+              <a:rPr lang="en-US" dirty="0" smtClean="0"/>
+              <a:t> </a:t>
+            </a:r>
+            <a:r>
+              <a:rPr lang="en-US" dirty="0" err="1" smtClean="0"/>
+              <a:t>represte</a:t>
+            </a:r>
+            <a:r>
+              <a:rPr lang="en-US" dirty="0" smtClean="0"/>
+              <a:t> </a:t>
+            </a:r>
+            <a:r>
+              <a:rPr lang="en-US" dirty="0" err="1" smtClean="0"/>
+              <a:t>este</a:t>
+            </a:r>
+            <a:r>
+              <a:rPr lang="en-US" dirty="0" smtClean="0"/>
+              <a:t> </a:t>
+            </a:r>
+            <a:r>
+              <a:rPr lang="en-US" dirty="0" err="1" smtClean="0"/>
+              <a:t>algoritmo</a:t>
+            </a:r>
+            <a:endParaRPr lang="en-US" dirty="0"/>
+          </a:p>
+        </p:txBody>
+      </p:sp>
+    </p:spTree>
+    <p:extLst>
+      <p:ext uri="{BB962C8B-B14F-4D97-AF65-F5344CB8AC3E}">
+        <p14:creationId xmlns:p14="http://schemas.microsoft.com/office/powerpoint/2010/main" val="2186553119"/>
+      </p:ext>
+    </p:extLst>
+  </p:cSld>
+  <p:clrMapOvr>
+    <a:masterClrMapping/>
+  </p:clrMapOvr>
+  <p:timing>
+    <p:tnLst>
+      <p:par>
+        <p:cTn id="1" dur="indefinite" restart="never" nodeType="tmRoot"/>
+      </p:par>
+    </p:tnLst>
+  </p:timing>
+</p:sld>
+</file>
+
+<file path=ppt/slides/slide12.xml><?xml version="1.0" encoding="utf-8"?>
+<p:sld xmlns:a="http://schemas.openxmlformats.org/drawingml/2006/main" xmlns:r="http://schemas.openxmlformats.org/officeDocument/2006/relationships" xmlns:p="http://schemas.openxmlformats.org/presentationml/2006/main">
+  <p:cSld>
+    <p:spTree>
+      <p:nvGrpSpPr>
+        <p:cNvPr id="1" name=""/>
+        <p:cNvGrpSpPr/>
+        <p:nvPr/>
+      </p:nvGrpSpPr>
+      <p:grpSpPr>
+        <a:xfrm>
+          <a:off x="0" y="0"/>
+          <a:ext cx="0" cy="0"/>
+          <a:chOff x="0" y="0"/>
+          <a:chExt cx="0" cy="0"/>
+        </a:xfrm>
+      </p:grpSpPr>
+      <p:sp>
+        <p:nvSpPr>
+          <p:cNvPr id="2" name="Title 1"/>
+          <p:cNvSpPr>
+            <a:spLocks noGrp="1"/>
+          </p:cNvSpPr>
+          <p:nvPr>
+            <p:ph type="title"/>
+          </p:nvPr>
+        </p:nvSpPr>
+        <p:spPr/>
+        <p:txBody>
+          <a:bodyPr/>
+          <a:lstStyle/>
+          <a:p>
+            <a:r>
+              <a:rPr lang="en-US" dirty="0" err="1"/>
+              <a:t>Diagramas</a:t>
+            </a:r>
+            <a:r>
+              <a:rPr lang="en-US" dirty="0"/>
+              <a:t> de </a:t>
+            </a:r>
+            <a:r>
+              <a:rPr lang="en-US" dirty="0" err="1"/>
+              <a:t>flujo</a:t>
+            </a:r>
+            <a:r>
+              <a:rPr lang="en-US" dirty="0"/>
+              <a:t> – </a:t>
+            </a:r>
+            <a:r>
+              <a:rPr lang="en-US" dirty="0" err="1"/>
+              <a:t>Ejemplo</a:t>
+            </a:r>
+            <a:r>
+              <a:rPr lang="en-US" dirty="0"/>
+              <a:t> </a:t>
+            </a:r>
+            <a:r>
+              <a:rPr lang="en-US" dirty="0" smtClean="0"/>
+              <a:t>4</a:t>
+            </a:r>
+            <a:endParaRPr lang="en-US" dirty="0"/>
+          </a:p>
+        </p:txBody>
+      </p:sp>
+      <p:pic>
+        <p:nvPicPr>
+          <p:cNvPr id="5" name="Picture 4"/>
+          <p:cNvPicPr>
+            <a:picLocks noChangeAspect="1"/>
+          </p:cNvPicPr>
+          <p:nvPr/>
+        </p:nvPicPr>
+        <p:blipFill>
+          <a:blip r:embed="rId2">
+            <a:extLst>
+              <a:ext uri="{28A0092B-C50C-407E-A947-70E740481C1C}">
+                <a14:useLocalDpi xmlns:a14="http://schemas.microsoft.com/office/drawing/2010/main" val="0"/>
+              </a:ext>
+            </a:extLst>
+          </a:blip>
+          <a:stretch>
+            <a:fillRect/>
+          </a:stretch>
+        </p:blipFill>
+        <p:spPr>
+          <a:xfrm>
+            <a:off x="1173480" y="1523999"/>
+            <a:ext cx="6553200" cy="5517723"/>
+          </a:xfrm>
+          <a:prstGeom prst="rect">
+            <a:avLst/>
+          </a:prstGeom>
+        </p:spPr>
+      </p:pic>
+    </p:spTree>
+    <p:extLst>
+      <p:ext uri="{BB962C8B-B14F-4D97-AF65-F5344CB8AC3E}">
+        <p14:creationId xmlns:p14="http://schemas.microsoft.com/office/powerpoint/2010/main" val="2575528109"/>
+      </p:ext>
+    </p:extLst>
+  </p:cSld>
+  <p:clrMapOvr>
+    <a:masterClrMapping/>
+  </p:clrMapOvr>
+  <p:timing>
+    <p:tnLst>
+      <p:par>
+        <p:cTn id="1" dur="indefinite" restart="never" nodeType="tmRoot"/>
+      </p:par>
+    </p:tnLst>
+  </p:timing>
+</p:sld>
+</file>
+
+<file path=ppt/slides/slide13.xml><?xml version="1.0" encoding="utf-8"?>
+<p:sld xmlns:a="http://schemas.openxmlformats.org/drawingml/2006/main" xmlns:r="http://schemas.openxmlformats.org/officeDocument/2006/relationships" xmlns:p="http://schemas.openxmlformats.org/presentationml/2006/main">
+  <p:cSld>
+    <p:spTree>
+      <p:nvGrpSpPr>
+        <p:cNvPr id="1" name=""/>
+        <p:cNvGrpSpPr/>
+        <p:nvPr/>
+      </p:nvGrpSpPr>
+      <p:grpSpPr>
+        <a:xfrm>
+          <a:off x="0" y="0"/>
+          <a:ext cx="0" cy="0"/>
+          <a:chOff x="0" y="0"/>
+          <a:chExt cx="0" cy="0"/>
+        </a:xfrm>
+      </p:grpSpPr>
+      <p:sp>
+        <p:nvSpPr>
+          <p:cNvPr id="2" name="Title 1"/>
+          <p:cNvSpPr>
+            <a:spLocks noGrp="1"/>
+          </p:cNvSpPr>
+          <p:nvPr>
+            <p:ph type="title"/>
+          </p:nvPr>
+        </p:nvSpPr>
+        <p:spPr/>
+        <p:txBody>
+          <a:bodyPr>
+            <a:normAutofit fontScale="90000"/>
+          </a:bodyPr>
+          <a:lstStyle/>
+          <a:p>
+            <a:r>
+              <a:rPr lang="en-US" dirty="0" err="1" smtClean="0"/>
+              <a:t>Diagrama</a:t>
+            </a:r>
+            <a:r>
+              <a:rPr lang="en-US" dirty="0" smtClean="0"/>
+              <a:t> de </a:t>
+            </a:r>
+            <a:r>
+              <a:rPr lang="en-US" dirty="0" err="1" smtClean="0"/>
+              <a:t>flujo</a:t>
+            </a:r>
+            <a:r>
+              <a:rPr lang="en-US" dirty="0" smtClean="0"/>
+              <a:t> y </a:t>
+            </a:r>
+            <a:r>
+              <a:rPr lang="en-US" dirty="0" err="1" smtClean="0"/>
+              <a:t>pensamiento</a:t>
+            </a:r>
+            <a:r>
+              <a:rPr lang="en-US" dirty="0" smtClean="0"/>
+              <a:t> </a:t>
+            </a:r>
+            <a:r>
+              <a:rPr lang="en-US" dirty="0" err="1" smtClean="0"/>
+              <a:t>lógico</a:t>
+            </a:r>
+            <a:endParaRPr lang="en-US" dirty="0"/>
+          </a:p>
+        </p:txBody>
+      </p:sp>
+      <p:sp>
+        <p:nvSpPr>
+          <p:cNvPr id="3" name="Content Placeholder 2"/>
+          <p:cNvSpPr>
+            <a:spLocks noGrp="1"/>
+          </p:cNvSpPr>
+          <p:nvPr>
+            <p:ph idx="1"/>
+          </p:nvPr>
+        </p:nvSpPr>
+        <p:spPr/>
+        <p:txBody>
+          <a:bodyPr/>
+          <a:lstStyle/>
+          <a:p>
+            <a:r>
+              <a:rPr lang="en-US" dirty="0" err="1" smtClean="0"/>
+              <a:t>Ejercicio</a:t>
+            </a:r>
+            <a:r>
+              <a:rPr lang="en-US" dirty="0" smtClean="0"/>
+              <a:t> </a:t>
+            </a:r>
+            <a:r>
+              <a:rPr lang="en-US" dirty="0" smtClean="0"/>
+              <a:t>1</a:t>
+            </a:r>
+          </a:p>
+          <a:p>
+            <a:pPr lvl="1"/>
+            <a:r>
+              <a:rPr lang="en-US" dirty="0" smtClean="0"/>
+              <a:t>Cree un </a:t>
+            </a:r>
+            <a:r>
+              <a:rPr lang="en-US" dirty="0" err="1" smtClean="0"/>
+              <a:t>algoritmo</a:t>
+            </a:r>
+            <a:r>
+              <a:rPr lang="en-US" dirty="0" smtClean="0"/>
+              <a:t> </a:t>
+            </a:r>
+            <a:r>
+              <a:rPr lang="en-US" dirty="0" err="1" smtClean="0"/>
+              <a:t>para</a:t>
+            </a:r>
+            <a:r>
+              <a:rPr lang="en-US" dirty="0" smtClean="0"/>
+              <a:t> </a:t>
+            </a:r>
+            <a:r>
+              <a:rPr lang="es-ES" dirty="0"/>
+              <a:t>d</a:t>
+            </a:r>
+            <a:r>
+              <a:rPr lang="es-ES" dirty="0" smtClean="0"/>
+              <a:t>eterminar </a:t>
+            </a:r>
+            <a:r>
+              <a:rPr lang="es-ES" dirty="0"/>
+              <a:t>si un número de tipo entero </a:t>
+            </a:r>
+            <a:r>
+              <a:rPr lang="es-ES" dirty="0" smtClean="0"/>
+              <a:t>es </a:t>
+            </a:r>
+            <a:r>
+              <a:rPr lang="es-ES" dirty="0"/>
+              <a:t>par o impar</a:t>
+            </a:r>
+            <a:r>
+              <a:rPr lang="es-ES" dirty="0" smtClean="0"/>
+              <a:t>.</a:t>
+            </a:r>
+          </a:p>
+          <a:p>
+            <a:pPr lvl="1"/>
+            <a:r>
+              <a:rPr lang="es-ES" dirty="0" smtClean="0"/>
+              <a:t>Una vez que se haya determinado si el número es par o impar, debe mostrar un mensaje que lo indique.</a:t>
+            </a:r>
+          </a:p>
+          <a:p>
+            <a:pPr lvl="1"/>
+            <a:r>
+              <a:rPr lang="es-ES" dirty="0" smtClean="0"/>
+              <a:t>Dibuje el diagrama de flujo que represente este algoritmo</a:t>
+            </a:r>
+          </a:p>
+        </p:txBody>
+      </p:sp>
+    </p:spTree>
+    <p:extLst>
+      <p:ext uri="{BB962C8B-B14F-4D97-AF65-F5344CB8AC3E}">
+        <p14:creationId xmlns:p14="http://schemas.microsoft.com/office/powerpoint/2010/main" val="2912785631"/>
+      </p:ext>
+    </p:extLst>
+  </p:cSld>
+  <p:clrMapOvr>
+    <a:masterClrMapping/>
+  </p:clrMapOvr>
+  <p:timing>
+    <p:tnLst>
+      <p:par>
+        <p:cTn id="1" dur="indefinite" restart="never" nodeType="tmRoot"/>
+      </p:par>
+    </p:tnLst>
+  </p:timing>
+</p:sld>
+</file>
+
+<file path=ppt/slides/slide14.xml><?xml version="1.0" encoding="utf-8"?>
+<p:sld xmlns:a="http://schemas.openxmlformats.org/drawingml/2006/main" xmlns:r="http://schemas.openxmlformats.org/officeDocument/2006/relationships" xmlns:p="http://schemas.openxmlformats.org/presentationml/2006/main">
+  <p:cSld>
+    <p:spTree>
+      <p:nvGrpSpPr>
+        <p:cNvPr id="1" name=""/>
+        <p:cNvGrpSpPr/>
+        <p:nvPr/>
+      </p:nvGrpSpPr>
+      <p:grpSpPr>
+        <a:xfrm>
+          <a:off x="0" y="0"/>
+          <a:ext cx="0" cy="0"/>
+          <a:chOff x="0" y="0"/>
+          <a:chExt cx="0" cy="0"/>
+        </a:xfrm>
+      </p:grpSpPr>
+      <p:sp>
+        <p:nvSpPr>
+          <p:cNvPr id="2" name="Title 1"/>
+          <p:cNvSpPr>
+            <a:spLocks noGrp="1"/>
+          </p:cNvSpPr>
+          <p:nvPr>
+            <p:ph type="title"/>
+          </p:nvPr>
+        </p:nvSpPr>
+        <p:spPr/>
+        <p:txBody>
+          <a:bodyPr>
+            <a:normAutofit fontScale="90000"/>
+          </a:bodyPr>
+          <a:lstStyle/>
+          <a:p>
+            <a:r>
+              <a:rPr lang="en-US" dirty="0" err="1" smtClean="0"/>
+              <a:t>Diagrama</a:t>
+            </a:r>
+            <a:r>
+              <a:rPr lang="en-US" dirty="0" smtClean="0"/>
+              <a:t> de </a:t>
+            </a:r>
+            <a:r>
+              <a:rPr lang="en-US" dirty="0" err="1" smtClean="0"/>
+              <a:t>flujo</a:t>
+            </a:r>
+            <a:r>
+              <a:rPr lang="en-US" dirty="0" smtClean="0"/>
+              <a:t> y </a:t>
+            </a:r>
+            <a:r>
+              <a:rPr lang="en-US" dirty="0" err="1" smtClean="0"/>
+              <a:t>pensamiento</a:t>
+            </a:r>
+            <a:r>
+              <a:rPr lang="en-US" dirty="0" smtClean="0"/>
+              <a:t> </a:t>
+            </a:r>
+            <a:r>
+              <a:rPr lang="en-US" dirty="0" err="1" smtClean="0"/>
+              <a:t>lógico</a:t>
+            </a:r>
+            <a:endParaRPr lang="en-US" dirty="0"/>
+          </a:p>
+        </p:txBody>
+      </p:sp>
+      <p:sp>
+        <p:nvSpPr>
+          <p:cNvPr id="3" name="Content Placeholder 2"/>
+          <p:cNvSpPr>
+            <a:spLocks noGrp="1"/>
+          </p:cNvSpPr>
+          <p:nvPr>
+            <p:ph idx="1"/>
+          </p:nvPr>
+        </p:nvSpPr>
+        <p:spPr/>
+        <p:txBody>
+          <a:bodyPr/>
+          <a:lstStyle/>
+          <a:p>
+            <a:r>
+              <a:rPr lang="en-US" dirty="0" err="1" smtClean="0"/>
+              <a:t>Ejercicio</a:t>
+            </a:r>
+            <a:r>
+              <a:rPr lang="en-US" dirty="0" smtClean="0"/>
+              <a:t> </a:t>
+            </a:r>
+            <a:r>
+              <a:rPr lang="en-US" dirty="0"/>
+              <a:t>2</a:t>
+            </a:r>
+            <a:endParaRPr lang="en-US" dirty="0" smtClean="0"/>
+          </a:p>
+          <a:p>
+            <a:pPr lvl="1"/>
+            <a:r>
+              <a:rPr lang="en-US" dirty="0" smtClean="0"/>
+              <a:t>Cree un </a:t>
+            </a:r>
+            <a:r>
+              <a:rPr lang="en-US" dirty="0" err="1" smtClean="0"/>
+              <a:t>algoritmo</a:t>
+            </a:r>
+            <a:r>
+              <a:rPr lang="en-US" dirty="0" smtClean="0"/>
+              <a:t> </a:t>
+            </a:r>
+            <a:r>
+              <a:rPr lang="en-US" dirty="0" err="1" smtClean="0"/>
+              <a:t>que</a:t>
+            </a:r>
+            <a:r>
+              <a:rPr lang="en-US" dirty="0" smtClean="0"/>
+              <a:t> </a:t>
+            </a:r>
+            <a:r>
+              <a:rPr lang="en-US" dirty="0" err="1" smtClean="0"/>
+              <a:t>reciba</a:t>
+            </a:r>
+            <a:r>
+              <a:rPr lang="en-US" dirty="0" smtClean="0"/>
+              <a:t> un </a:t>
+            </a:r>
+            <a:r>
+              <a:rPr lang="en-US" dirty="0" err="1" smtClean="0"/>
+              <a:t>número</a:t>
+            </a:r>
+            <a:r>
+              <a:rPr lang="en-US" dirty="0" smtClean="0"/>
+              <a:t> </a:t>
+            </a:r>
+            <a:r>
+              <a:rPr lang="en-US" dirty="0" err="1" smtClean="0"/>
+              <a:t>entero</a:t>
+            </a:r>
+            <a:r>
+              <a:rPr lang="en-US" dirty="0" smtClean="0"/>
+              <a:t> </a:t>
+            </a:r>
+            <a:r>
+              <a:rPr lang="en-US" dirty="0" err="1" smtClean="0"/>
+              <a:t>cualquiera</a:t>
+            </a:r>
+            <a:r>
+              <a:rPr lang="en-US" dirty="0" smtClean="0"/>
+              <a:t>.</a:t>
+            </a:r>
+            <a:endParaRPr lang="en-US" dirty="0"/>
+          </a:p>
+          <a:p>
+            <a:pPr lvl="1"/>
+            <a:r>
+              <a:rPr lang="en-US" dirty="0" smtClean="0"/>
+              <a:t>Si el </a:t>
+            </a:r>
+            <a:r>
+              <a:rPr lang="en-US" dirty="0" err="1" smtClean="0"/>
+              <a:t>número</a:t>
+            </a:r>
+            <a:r>
+              <a:rPr lang="en-US" dirty="0" smtClean="0"/>
+              <a:t> </a:t>
+            </a:r>
+            <a:r>
+              <a:rPr lang="en-US" dirty="0" err="1" smtClean="0"/>
+              <a:t>está</a:t>
+            </a:r>
+            <a:r>
+              <a:rPr lang="en-US" dirty="0" smtClean="0"/>
+              <a:t> en el </a:t>
+            </a:r>
+            <a:r>
+              <a:rPr lang="en-US" dirty="0" err="1" smtClean="0"/>
+              <a:t>conjunto</a:t>
+            </a:r>
+            <a:r>
+              <a:rPr lang="en-US" dirty="0" smtClean="0"/>
+              <a:t> </a:t>
+            </a:r>
+            <a:r>
+              <a:rPr lang="en-US" dirty="0" err="1" smtClean="0"/>
+              <a:t>cerrado</a:t>
+            </a:r>
+            <a:r>
+              <a:rPr lang="en-US" dirty="0" smtClean="0"/>
+              <a:t> de </a:t>
+            </a:r>
+            <a:r>
+              <a:rPr lang="en-US" dirty="0" err="1" smtClean="0"/>
+              <a:t>números</a:t>
+            </a:r>
+            <a:r>
+              <a:rPr lang="en-US" dirty="0" smtClean="0"/>
+              <a:t> </a:t>
+            </a:r>
+            <a:r>
+              <a:rPr lang="en-US" dirty="0" err="1" smtClean="0"/>
+              <a:t>enteros</a:t>
+            </a:r>
+            <a:r>
+              <a:rPr lang="en-US" dirty="0" smtClean="0"/>
+              <a:t>      [1-10], </a:t>
+            </a:r>
+            <a:r>
+              <a:rPr lang="en-US" dirty="0" err="1" smtClean="0"/>
+              <a:t>muestra</a:t>
+            </a:r>
+            <a:r>
+              <a:rPr lang="en-US" dirty="0" smtClean="0"/>
+              <a:t> un </a:t>
+            </a:r>
+            <a:r>
+              <a:rPr lang="en-US" dirty="0" err="1" smtClean="0"/>
+              <a:t>mensaje</a:t>
+            </a:r>
+            <a:r>
+              <a:rPr lang="en-US" dirty="0" smtClean="0"/>
+              <a:t> de </a:t>
+            </a:r>
+            <a:r>
+              <a:rPr lang="en-US" dirty="0" err="1" smtClean="0"/>
+              <a:t>éxito</a:t>
+            </a:r>
+            <a:r>
+              <a:rPr lang="en-US" dirty="0" smtClean="0"/>
+              <a:t>.</a:t>
+            </a:r>
+          </a:p>
+          <a:p>
+            <a:pPr lvl="1"/>
+            <a:r>
+              <a:rPr lang="en-US" dirty="0" smtClean="0"/>
+              <a:t>Si el </a:t>
+            </a:r>
+            <a:r>
+              <a:rPr lang="en-US" dirty="0" err="1" smtClean="0"/>
+              <a:t>número</a:t>
+            </a:r>
+            <a:r>
+              <a:rPr lang="en-US" dirty="0" smtClean="0"/>
+              <a:t> no se </a:t>
+            </a:r>
+            <a:r>
+              <a:rPr lang="en-US" dirty="0" err="1" smtClean="0"/>
+              <a:t>encuentra</a:t>
+            </a:r>
+            <a:r>
+              <a:rPr lang="en-US" dirty="0" smtClean="0"/>
+              <a:t> en el </a:t>
+            </a:r>
+            <a:r>
+              <a:rPr lang="en-US" dirty="0" err="1" smtClean="0"/>
+              <a:t>conjunto</a:t>
+            </a:r>
+            <a:r>
+              <a:rPr lang="en-US" dirty="0" smtClean="0"/>
+              <a:t> </a:t>
+            </a:r>
+            <a:r>
+              <a:rPr lang="en-US" dirty="0" err="1" smtClean="0"/>
+              <a:t>cerrado</a:t>
+            </a:r>
+            <a:r>
+              <a:rPr lang="en-US" dirty="0" smtClean="0"/>
+              <a:t> de </a:t>
+            </a:r>
+            <a:r>
+              <a:rPr lang="en-US" dirty="0" err="1" smtClean="0"/>
+              <a:t>números</a:t>
+            </a:r>
+            <a:r>
+              <a:rPr lang="en-US" dirty="0" smtClean="0"/>
+              <a:t> </a:t>
+            </a:r>
+            <a:r>
+              <a:rPr lang="en-US" dirty="0" err="1" smtClean="0"/>
+              <a:t>enteros</a:t>
+            </a:r>
+            <a:r>
+              <a:rPr lang="en-US" dirty="0" smtClean="0"/>
+              <a:t> [1-10] </a:t>
+            </a:r>
+            <a:r>
+              <a:rPr lang="en-US" dirty="0" err="1" smtClean="0"/>
+              <a:t>entonces</a:t>
+            </a:r>
+            <a:r>
+              <a:rPr lang="en-US" dirty="0" smtClean="0"/>
+              <a:t>  le </a:t>
+            </a:r>
+            <a:r>
+              <a:rPr lang="en-US" dirty="0" err="1" smtClean="0"/>
+              <a:t>pide</a:t>
+            </a:r>
+            <a:r>
+              <a:rPr lang="en-US" dirty="0" smtClean="0"/>
+              <a:t> al </a:t>
+            </a:r>
+            <a:r>
+              <a:rPr lang="en-US" dirty="0" err="1" smtClean="0"/>
+              <a:t>usuario</a:t>
+            </a:r>
+            <a:r>
+              <a:rPr lang="en-US" dirty="0" smtClean="0"/>
+              <a:t> </a:t>
+            </a:r>
+            <a:r>
+              <a:rPr lang="en-US" dirty="0" err="1" smtClean="0"/>
+              <a:t>ingresar</a:t>
+            </a:r>
+            <a:r>
+              <a:rPr lang="en-US" dirty="0" smtClean="0"/>
+              <a:t> </a:t>
+            </a:r>
+            <a:r>
+              <a:rPr lang="en-US" dirty="0" err="1" smtClean="0"/>
+              <a:t>otro</a:t>
+            </a:r>
+            <a:r>
+              <a:rPr lang="en-US" dirty="0" smtClean="0"/>
+              <a:t> </a:t>
+            </a:r>
+            <a:r>
+              <a:rPr lang="en-US" dirty="0" err="1" smtClean="0"/>
+              <a:t>número</a:t>
+            </a:r>
+            <a:r>
+              <a:rPr lang="en-US" dirty="0" smtClean="0"/>
+              <a:t>.</a:t>
+            </a:r>
+          </a:p>
+          <a:p>
+            <a:pPr lvl="1"/>
+            <a:r>
+              <a:rPr lang="en-US" dirty="0" err="1" smtClean="0"/>
+              <a:t>Crear</a:t>
+            </a:r>
+            <a:r>
+              <a:rPr lang="en-US" dirty="0" smtClean="0"/>
+              <a:t> un </a:t>
+            </a:r>
+            <a:r>
+              <a:rPr lang="en-US" dirty="0" err="1" smtClean="0"/>
+              <a:t>diagrama</a:t>
+            </a:r>
+            <a:r>
+              <a:rPr lang="en-US" dirty="0" smtClean="0"/>
+              <a:t> de </a:t>
+            </a:r>
+            <a:r>
+              <a:rPr lang="en-US" dirty="0" err="1" smtClean="0"/>
+              <a:t>flujo</a:t>
+            </a:r>
+            <a:r>
+              <a:rPr lang="en-US" dirty="0" smtClean="0"/>
+              <a:t> </a:t>
+            </a:r>
+            <a:r>
+              <a:rPr lang="en-US" dirty="0" err="1" smtClean="0"/>
+              <a:t>que</a:t>
+            </a:r>
+            <a:r>
+              <a:rPr lang="en-US" dirty="0" smtClean="0"/>
+              <a:t> </a:t>
+            </a:r>
+            <a:r>
+              <a:rPr lang="en-US" dirty="0" err="1" smtClean="0"/>
+              <a:t>represente</a:t>
+            </a:r>
+            <a:r>
+              <a:rPr lang="en-US" dirty="0" smtClean="0"/>
+              <a:t> el </a:t>
+            </a:r>
+            <a:r>
+              <a:rPr lang="en-US" dirty="0" err="1" smtClean="0"/>
+              <a:t>algoritmo</a:t>
+            </a:r>
+            <a:r>
+              <a:rPr lang="en-US" dirty="0" smtClean="0"/>
+              <a:t> </a:t>
+            </a:r>
+            <a:r>
+              <a:rPr lang="en-US" dirty="0" err="1" smtClean="0"/>
+              <a:t>creado</a:t>
+            </a:r>
+            <a:endParaRPr lang="en-US" dirty="0" smtClean="0"/>
+          </a:p>
+        </p:txBody>
+      </p:sp>
+    </p:spTree>
+    <p:extLst>
+      <p:ext uri="{BB962C8B-B14F-4D97-AF65-F5344CB8AC3E}">
+        <p14:creationId xmlns:p14="http://schemas.microsoft.com/office/powerpoint/2010/main" val="1344846950"/>
+      </p:ext>
+    </p:extLst>
+  </p:cSld>
+  <p:clrMapOvr>
+    <a:masterClrMapping/>
+  </p:clrMapOvr>
+  <p:timing>
+    <p:tnLst>
+      <p:par>
+        <p:cTn id="1" dur="indefinite" restart="never" nodeType="tmRoot"/>
+      </p:par>
+    </p:tnLst>
+  </p:timing>
+</p:sld>
+</file>
+
+<file path=ppt/slides/slide15.xml><?xml version="1.0" encoding="utf-8"?>
+<p:sld xmlns:a="http://schemas.openxmlformats.org/drawingml/2006/main" xmlns:r="http://schemas.openxmlformats.org/officeDocument/2006/relationships" xmlns:p="http://schemas.openxmlformats.org/presentationml/2006/main">
+  <p:cSld>
+    <p:spTree>
+      <p:nvGrpSpPr>
+        <p:cNvPr id="1" name=""/>
+        <p:cNvGrpSpPr/>
+        <p:nvPr/>
+      </p:nvGrpSpPr>
+      <p:grpSpPr>
+        <a:xfrm>
+          <a:off x="0" y="0"/>
+          <a:ext cx="0" cy="0"/>
+          <a:chOff x="0" y="0"/>
+          <a:chExt cx="0" cy="0"/>
+        </a:xfrm>
+      </p:grpSpPr>
+      <p:sp>
+        <p:nvSpPr>
+          <p:cNvPr id="2" name="Title 1"/>
+          <p:cNvSpPr>
+            <a:spLocks noGrp="1"/>
+          </p:cNvSpPr>
+          <p:nvPr>
+            <p:ph type="title"/>
+          </p:nvPr>
+        </p:nvSpPr>
+        <p:spPr/>
+        <p:txBody>
+          <a:bodyPr>
+            <a:normAutofit fontScale="90000"/>
+          </a:bodyPr>
+          <a:lstStyle/>
+          <a:p>
+            <a:r>
+              <a:rPr lang="en-US" dirty="0" err="1" smtClean="0"/>
+              <a:t>Diagrama</a:t>
+            </a:r>
+            <a:r>
+              <a:rPr lang="en-US" dirty="0" smtClean="0"/>
+              <a:t> de </a:t>
+            </a:r>
+            <a:r>
+              <a:rPr lang="en-US" dirty="0" err="1" smtClean="0"/>
+              <a:t>flujo</a:t>
+            </a:r>
+            <a:r>
+              <a:rPr lang="en-US" dirty="0" smtClean="0"/>
+              <a:t> y </a:t>
+            </a:r>
+            <a:r>
+              <a:rPr lang="en-US" dirty="0" err="1" smtClean="0"/>
+              <a:t>pensamiento</a:t>
+            </a:r>
+            <a:r>
+              <a:rPr lang="en-US" dirty="0" smtClean="0"/>
+              <a:t> </a:t>
+            </a:r>
+            <a:r>
+              <a:rPr lang="en-US" dirty="0" err="1" smtClean="0"/>
+              <a:t>lógico</a:t>
+            </a:r>
+            <a:endParaRPr lang="en-US" dirty="0"/>
+          </a:p>
+        </p:txBody>
+      </p:sp>
+      <p:sp>
+        <p:nvSpPr>
+          <p:cNvPr id="3" name="Content Placeholder 2"/>
+          <p:cNvSpPr>
+            <a:spLocks noGrp="1"/>
+          </p:cNvSpPr>
+          <p:nvPr>
+            <p:ph idx="1"/>
+          </p:nvPr>
+        </p:nvSpPr>
+        <p:spPr/>
+        <p:txBody>
+          <a:bodyPr/>
+          <a:lstStyle/>
+          <a:p>
+            <a:r>
+              <a:rPr lang="en-US" dirty="0" err="1" smtClean="0"/>
+              <a:t>Ejercicio</a:t>
+            </a:r>
+            <a:r>
+              <a:rPr lang="en-US" dirty="0" smtClean="0"/>
+              <a:t> </a:t>
+            </a:r>
+            <a:r>
+              <a:rPr lang="en-US" dirty="0" smtClean="0"/>
+              <a:t>3</a:t>
+            </a:r>
+          </a:p>
+          <a:p>
+            <a:pPr lvl="1"/>
+            <a:r>
+              <a:rPr lang="en-US" dirty="0" smtClean="0"/>
+              <a:t>Cree un </a:t>
+            </a:r>
+            <a:r>
+              <a:rPr lang="en-US" dirty="0" err="1" smtClean="0"/>
+              <a:t>algoritmo</a:t>
+            </a:r>
+            <a:r>
+              <a:rPr lang="en-US" dirty="0" smtClean="0"/>
+              <a:t> </a:t>
+            </a:r>
+            <a:r>
+              <a:rPr lang="en-US" dirty="0" err="1" smtClean="0"/>
+              <a:t>que</a:t>
+            </a:r>
+            <a:r>
+              <a:rPr lang="en-US" dirty="0" smtClean="0"/>
+              <a:t>, lea un </a:t>
+            </a:r>
+            <a:r>
+              <a:rPr lang="en-US" dirty="0" err="1" smtClean="0"/>
+              <a:t>monto</a:t>
+            </a:r>
+            <a:r>
+              <a:rPr lang="en-US" dirty="0" smtClean="0"/>
+              <a:t> en </a:t>
+            </a:r>
+            <a:r>
+              <a:rPr lang="en-US" dirty="0" err="1" smtClean="0"/>
+              <a:t>colones</a:t>
+            </a:r>
+            <a:r>
+              <a:rPr lang="en-US" dirty="0"/>
+              <a:t> </a:t>
+            </a:r>
+            <a:r>
+              <a:rPr lang="en-US" dirty="0" smtClean="0"/>
+              <a:t>y </a:t>
+            </a:r>
+            <a:r>
+              <a:rPr lang="en-US" dirty="0" err="1" smtClean="0"/>
+              <a:t>después</a:t>
+            </a:r>
+            <a:r>
+              <a:rPr lang="en-US" dirty="0" smtClean="0"/>
+              <a:t> </a:t>
+            </a:r>
+            <a:r>
+              <a:rPr lang="en-US" dirty="0" err="1" smtClean="0"/>
+              <a:t>convierta</a:t>
+            </a:r>
+            <a:r>
+              <a:rPr lang="en-US" dirty="0" smtClean="0"/>
+              <a:t> el </a:t>
+            </a:r>
+            <a:r>
+              <a:rPr lang="en-US" dirty="0" err="1" smtClean="0"/>
+              <a:t>monto</a:t>
+            </a:r>
+            <a:r>
+              <a:rPr lang="en-US" dirty="0" smtClean="0"/>
+              <a:t> a </a:t>
+            </a:r>
+            <a:r>
+              <a:rPr lang="en-US" dirty="0" err="1" smtClean="0"/>
+              <a:t>dólares</a:t>
+            </a:r>
+            <a:r>
+              <a:rPr lang="en-US" dirty="0" smtClean="0"/>
+              <a:t> o euros </a:t>
+            </a:r>
+            <a:r>
+              <a:rPr lang="en-US" dirty="0" err="1" smtClean="0"/>
+              <a:t>según</a:t>
+            </a:r>
+            <a:r>
+              <a:rPr lang="en-US" dirty="0" smtClean="0"/>
+              <a:t> </a:t>
+            </a:r>
+            <a:r>
+              <a:rPr lang="en-US" dirty="0" err="1" smtClean="0"/>
+              <a:t>seleccione</a:t>
+            </a:r>
+            <a:r>
+              <a:rPr lang="en-US" dirty="0" smtClean="0"/>
+              <a:t> el </a:t>
+            </a:r>
+            <a:r>
+              <a:rPr lang="en-US" dirty="0" err="1" smtClean="0"/>
+              <a:t>usuario</a:t>
+            </a:r>
+            <a:r>
+              <a:rPr lang="en-US" dirty="0" smtClean="0"/>
+              <a:t>.</a:t>
+            </a:r>
+          </a:p>
+          <a:p>
+            <a:pPr lvl="1"/>
+            <a:r>
+              <a:rPr lang="en-US" dirty="0" err="1" smtClean="0"/>
+              <a:t>Tipo</a:t>
+            </a:r>
+            <a:r>
+              <a:rPr lang="en-US" dirty="0" smtClean="0"/>
+              <a:t> de </a:t>
+            </a:r>
+            <a:r>
+              <a:rPr lang="en-US" dirty="0" err="1" smtClean="0"/>
+              <a:t>cambio</a:t>
+            </a:r>
+            <a:r>
+              <a:rPr lang="en-US" dirty="0" smtClean="0"/>
+              <a:t> del </a:t>
+            </a:r>
+            <a:r>
+              <a:rPr lang="en-US" dirty="0" err="1" smtClean="0"/>
+              <a:t>dólar</a:t>
+            </a:r>
+            <a:r>
+              <a:rPr lang="en-US" dirty="0" smtClean="0"/>
+              <a:t> 1 USD = 548 </a:t>
+            </a:r>
+            <a:r>
+              <a:rPr lang="en-US" dirty="0" err="1" smtClean="0"/>
+              <a:t>colones</a:t>
+            </a:r>
+            <a:endParaRPr lang="en-US" dirty="0" smtClean="0"/>
+          </a:p>
+          <a:p>
+            <a:pPr lvl="1"/>
+            <a:r>
+              <a:rPr lang="en-US" dirty="0" err="1" smtClean="0"/>
+              <a:t>Tipo</a:t>
+            </a:r>
+            <a:r>
+              <a:rPr lang="en-US" dirty="0" smtClean="0"/>
+              <a:t> de </a:t>
+            </a:r>
+            <a:r>
+              <a:rPr lang="en-US" dirty="0" err="1" smtClean="0"/>
+              <a:t>cambio</a:t>
+            </a:r>
+            <a:r>
+              <a:rPr lang="en-US" dirty="0" smtClean="0"/>
+              <a:t> del euro 1 EUR = 585 </a:t>
+            </a:r>
+            <a:r>
+              <a:rPr lang="en-US" dirty="0" err="1" smtClean="0"/>
+              <a:t>colones</a:t>
+            </a:r>
+            <a:endParaRPr lang="en-US" dirty="0" smtClean="0"/>
+          </a:p>
+          <a:p>
+            <a:pPr lvl="1"/>
+            <a:r>
+              <a:rPr lang="es-ES" dirty="0"/>
+              <a:t>Dibuje el diagrama de flujo que represente este algoritmo</a:t>
+            </a:r>
+          </a:p>
+          <a:p>
+            <a:pPr lvl="1"/>
+            <a:endParaRPr lang="es-ES" dirty="0"/>
+          </a:p>
+          <a:p>
+            <a:pPr lvl="1"/>
+            <a:endParaRPr lang="en-US" dirty="0" smtClean="0"/>
+          </a:p>
+        </p:txBody>
+      </p:sp>
+    </p:spTree>
+    <p:extLst>
+      <p:ext uri="{BB962C8B-B14F-4D97-AF65-F5344CB8AC3E}">
+        <p14:creationId xmlns:p14="http://schemas.microsoft.com/office/powerpoint/2010/main" val="3340621337"/>
+      </p:ext>
+    </p:extLst>
+  </p:cSld>
+  <p:clrMapOvr>
+    <a:masterClrMapping/>
+  </p:clrMapOvr>
+  <p:timing>
+    <p:tnLst>
+      <p:par>
+        <p:cTn id="1" dur="indefinite" restart="never" nodeType="tmRoot"/>
+      </p:par>
+    </p:tnLst>
+  </p:timing>
+</p:sld>
+</file>
+
+<file path=ppt/slides/slide16.xml><?xml version="1.0" encoding="utf-8"?>
+<p:sld xmlns:a="http://schemas.openxmlformats.org/drawingml/2006/main" xmlns:r="http://schemas.openxmlformats.org/officeDocument/2006/relationships" xmlns:p="http://schemas.openxmlformats.org/presentationml/2006/main">
+  <p:cSld>
+    <p:spTree>
+      <p:nvGrpSpPr>
+        <p:cNvPr id="1" name=""/>
+        <p:cNvGrpSpPr/>
+        <p:nvPr/>
+      </p:nvGrpSpPr>
+      <p:grpSpPr>
+        <a:xfrm>
+          <a:off x="0" y="0"/>
+          <a:ext cx="0" cy="0"/>
+          <a:chOff x="0" y="0"/>
+          <a:chExt cx="0" cy="0"/>
+        </a:xfrm>
+      </p:grpSpPr>
+      <p:sp>
+        <p:nvSpPr>
+          <p:cNvPr id="2" name="Title 1"/>
+          <p:cNvSpPr>
+            <a:spLocks noGrp="1"/>
+          </p:cNvSpPr>
+          <p:nvPr>
+            <p:ph type="title"/>
+          </p:nvPr>
+        </p:nvSpPr>
+        <p:spPr/>
+        <p:txBody>
+          <a:bodyPr>
+            <a:normAutofit fontScale="90000"/>
+          </a:bodyPr>
+          <a:lstStyle/>
+          <a:p>
+            <a:r>
+              <a:rPr lang="en-US" dirty="0" err="1" smtClean="0"/>
+              <a:t>Diagrama</a:t>
+            </a:r>
+            <a:r>
+              <a:rPr lang="en-US" dirty="0" smtClean="0"/>
+              <a:t> de </a:t>
+            </a:r>
+            <a:r>
+              <a:rPr lang="en-US" dirty="0" err="1" smtClean="0"/>
+              <a:t>flujo</a:t>
+            </a:r>
+            <a:r>
+              <a:rPr lang="en-US" dirty="0" smtClean="0"/>
+              <a:t> y </a:t>
+            </a:r>
+            <a:r>
+              <a:rPr lang="en-US" dirty="0" err="1" smtClean="0"/>
+              <a:t>pensamiento</a:t>
+            </a:r>
+            <a:r>
+              <a:rPr lang="en-US" dirty="0" smtClean="0"/>
+              <a:t> </a:t>
+            </a:r>
+            <a:r>
+              <a:rPr lang="en-US" dirty="0" err="1" smtClean="0"/>
+              <a:t>lógico</a:t>
+            </a:r>
+            <a:endParaRPr lang="en-US" dirty="0"/>
+          </a:p>
+        </p:txBody>
+      </p:sp>
+      <p:sp>
+        <p:nvSpPr>
+          <p:cNvPr id="3" name="Content Placeholder 2"/>
+          <p:cNvSpPr>
+            <a:spLocks noGrp="1"/>
+          </p:cNvSpPr>
+          <p:nvPr>
+            <p:ph idx="1"/>
+          </p:nvPr>
+        </p:nvSpPr>
+        <p:spPr/>
+        <p:txBody>
+          <a:bodyPr/>
+          <a:lstStyle/>
+          <a:p>
+            <a:r>
+              <a:rPr lang="en-US" dirty="0" err="1" smtClean="0"/>
+              <a:t>Ejercicio</a:t>
+            </a:r>
+            <a:r>
+              <a:rPr lang="en-US" dirty="0" smtClean="0"/>
+              <a:t> </a:t>
+            </a:r>
+            <a:r>
+              <a:rPr lang="en-US" dirty="0"/>
+              <a:t>4</a:t>
+            </a:r>
+            <a:endParaRPr lang="en-US" dirty="0" smtClean="0"/>
+          </a:p>
+          <a:p>
+            <a:pPr lvl="1"/>
+            <a:r>
+              <a:rPr lang="en-US" dirty="0" smtClean="0"/>
+              <a:t>Cree un </a:t>
+            </a:r>
+            <a:r>
+              <a:rPr lang="en-US" dirty="0" err="1" smtClean="0"/>
+              <a:t>algoritmo</a:t>
+            </a:r>
+            <a:r>
+              <a:rPr lang="en-US" dirty="0" smtClean="0"/>
+              <a:t> </a:t>
+            </a:r>
+            <a:r>
+              <a:rPr lang="en-US" dirty="0" err="1" smtClean="0"/>
+              <a:t>que</a:t>
+            </a:r>
+            <a:r>
+              <a:rPr lang="en-US" dirty="0" smtClean="0"/>
+              <a:t>, </a:t>
+            </a:r>
+            <a:r>
+              <a:rPr lang="en-US" dirty="0" err="1" smtClean="0"/>
+              <a:t>teniendo</a:t>
+            </a:r>
+            <a:r>
+              <a:rPr lang="en-US" dirty="0" smtClean="0"/>
+              <a:t> un </a:t>
+            </a:r>
+            <a:r>
+              <a:rPr lang="en-US" dirty="0" err="1" smtClean="0"/>
+              <a:t>conjunto</a:t>
+            </a:r>
+            <a:r>
+              <a:rPr lang="en-US" dirty="0" smtClean="0"/>
+              <a:t> de </a:t>
+            </a:r>
+            <a:r>
+              <a:rPr lang="en-US" dirty="0" err="1" smtClean="0"/>
+              <a:t>números</a:t>
+            </a:r>
+            <a:r>
+              <a:rPr lang="en-US" dirty="0"/>
+              <a:t> </a:t>
+            </a:r>
+            <a:r>
+              <a:rPr lang="en-US" dirty="0" err="1" smtClean="0"/>
+              <a:t>enteros</a:t>
+            </a:r>
+            <a:r>
+              <a:rPr lang="en-US" dirty="0" smtClean="0"/>
+              <a:t>, los </a:t>
+            </a:r>
+            <a:r>
+              <a:rPr lang="en-US" dirty="0" err="1" smtClean="0"/>
+              <a:t>ordene</a:t>
+            </a:r>
+            <a:r>
+              <a:rPr lang="en-US" dirty="0" smtClean="0"/>
+              <a:t> de forma </a:t>
+            </a:r>
+            <a:r>
+              <a:rPr lang="en-US" dirty="0" err="1" smtClean="0"/>
+              <a:t>ascendente</a:t>
+            </a:r>
+            <a:r>
+              <a:rPr lang="en-US" dirty="0" smtClean="0"/>
+              <a:t>.</a:t>
+            </a:r>
+          </a:p>
+          <a:p>
+            <a:pPr lvl="1"/>
+            <a:r>
+              <a:rPr lang="es-ES" dirty="0"/>
+              <a:t>Dibuje el diagrama de flujo que represente este algoritmo</a:t>
+            </a:r>
+          </a:p>
+          <a:p>
+            <a:pPr lvl="1"/>
+            <a:endParaRPr lang="en-US" dirty="0" smtClean="0"/>
+          </a:p>
+        </p:txBody>
+      </p:sp>
+    </p:spTree>
+    <p:extLst>
+      <p:ext uri="{BB962C8B-B14F-4D97-AF65-F5344CB8AC3E}">
+        <p14:creationId xmlns:p14="http://schemas.microsoft.com/office/powerpoint/2010/main" val="326509161"/>
       </p:ext>
     </p:extLst>
   </p:cSld>
@@ -3569,11 +5266,25 @@
           <a:p>
             <a:r>
               <a:rPr lang="en-US" dirty="0" err="1" smtClean="0"/>
+              <a:t>Algoritmos</a:t>
+            </a:r>
+            <a:r>
+              <a:rPr lang="en-US" dirty="0" smtClean="0"/>
+              <a:t> 2.0</a:t>
+            </a:r>
+          </a:p>
+          <a:p>
+            <a:r>
+              <a:rPr lang="en-US" dirty="0" err="1" smtClean="0"/>
               <a:t>Diagramas</a:t>
             </a:r>
             <a:r>
               <a:rPr lang="en-US" dirty="0" smtClean="0"/>
-              <a:t> de </a:t>
+              <a:t> </a:t>
+            </a:r>
+            <a:r>
+              <a:rPr lang="en-US" dirty="0" smtClean="0"/>
+              <a:t>de </a:t>
             </a:r>
             <a:r>
               <a:rPr lang="en-US" dirty="0" err="1" smtClean="0"/>
@@ -3645,6 +5356,699 @@
 </file>
 
 <file path=ppt/slides/slide3.xml><?xml version="1.0" encoding="utf-8"?>
+<p:sld xmlns:a="http://schemas.openxmlformats.org/drawingml/2006/main" xmlns:r="http://schemas.openxmlformats.org/officeDocument/2006/relationships" xmlns:p="http://schemas.openxmlformats.org/presentationml/2006/main">
+  <p:cSld>
+    <p:spTree>
+      <p:nvGrpSpPr>
+        <p:cNvPr id="1" name=""/>
+        <p:cNvGrpSpPr/>
+        <p:nvPr/>
+      </p:nvGrpSpPr>
+      <p:grpSpPr>
+        <a:xfrm>
+          <a:off x="0" y="0"/>
+          <a:ext cx="0" cy="0"/>
+          <a:chOff x="0" y="0"/>
+          <a:chExt cx="0" cy="0"/>
+        </a:xfrm>
+      </p:grpSpPr>
+      <p:sp>
+        <p:nvSpPr>
+          <p:cNvPr id="2" name="Title 1"/>
+          <p:cNvSpPr>
+            <a:spLocks noGrp="1"/>
+          </p:cNvSpPr>
+          <p:nvPr>
+            <p:ph type="title"/>
+          </p:nvPr>
+        </p:nvSpPr>
+        <p:spPr/>
+        <p:txBody>
+          <a:bodyPr/>
+          <a:lstStyle/>
+          <a:p>
+            <a:r>
+              <a:rPr lang="en-US" dirty="0" err="1" smtClean="0"/>
+              <a:t>Algoritmos</a:t>
+            </a:r>
+            <a:r>
+              <a:rPr lang="en-US" dirty="0" smtClean="0"/>
+              <a:t> 2.0</a:t>
+            </a:r>
+            <a:endParaRPr lang="en-US" dirty="0"/>
+          </a:p>
+        </p:txBody>
+      </p:sp>
+      <p:sp>
+        <p:nvSpPr>
+          <p:cNvPr id="3" name="Content Placeholder 2"/>
+          <p:cNvSpPr>
+            <a:spLocks noGrp="1"/>
+          </p:cNvSpPr>
+          <p:nvPr>
+            <p:ph idx="1"/>
+          </p:nvPr>
+        </p:nvSpPr>
+        <p:spPr/>
+        <p:txBody>
+          <a:bodyPr/>
+          <a:lstStyle/>
+          <a:p>
+            <a:r>
+              <a:rPr lang="en-US" dirty="0" err="1" smtClean="0"/>
+              <a:t>Características</a:t>
+            </a:r>
+            <a:r>
+              <a:rPr lang="en-US" dirty="0" smtClean="0"/>
+              <a:t> de un </a:t>
+            </a:r>
+            <a:r>
+              <a:rPr lang="en-US" dirty="0" err="1" smtClean="0"/>
+              <a:t>algoritmo</a:t>
+            </a:r>
+            <a:endParaRPr lang="en-US" dirty="0" smtClean="0"/>
+          </a:p>
+          <a:p>
+            <a:pPr lvl="1"/>
+            <a:r>
+              <a:rPr lang="en-US" dirty="0" smtClean="0"/>
+              <a:t>Claro</a:t>
+            </a:r>
+          </a:p>
+          <a:p>
+            <a:pPr lvl="1"/>
+            <a:r>
+              <a:rPr lang="en-US" dirty="0" err="1" smtClean="0"/>
+              <a:t>Ordenado</a:t>
+            </a:r>
+            <a:r>
+              <a:rPr lang="en-US" dirty="0" smtClean="0"/>
+              <a:t> (</a:t>
+            </a:r>
+            <a:r>
+              <a:rPr lang="en-US" dirty="0" err="1" smtClean="0"/>
+              <a:t>órden</a:t>
+            </a:r>
+            <a:r>
+              <a:rPr lang="en-US" dirty="0" smtClean="0"/>
+              <a:t> </a:t>
+            </a:r>
+            <a:r>
+              <a:rPr lang="en-US" dirty="0" err="1" smtClean="0"/>
+              <a:t>lógico</a:t>
+            </a:r>
+            <a:r>
+              <a:rPr lang="en-US" dirty="0" smtClean="0"/>
+              <a:t>)</a:t>
+            </a:r>
+          </a:p>
+          <a:p>
+            <a:pPr lvl="1"/>
+            <a:r>
+              <a:rPr lang="en-US" dirty="0" err="1" smtClean="0"/>
+              <a:t>Escrito</a:t>
+            </a:r>
+            <a:r>
+              <a:rPr lang="en-US" dirty="0" smtClean="0"/>
+              <a:t> en un </a:t>
+            </a:r>
+            <a:r>
+              <a:rPr lang="en-US" dirty="0" err="1" smtClean="0"/>
+              <a:t>lenguaje</a:t>
+            </a:r>
+            <a:r>
+              <a:rPr lang="en-US" dirty="0" smtClean="0"/>
+              <a:t> natural</a:t>
+            </a:r>
+          </a:p>
+          <a:p>
+            <a:r>
+              <a:rPr lang="en-US" dirty="0" err="1" smtClean="0"/>
+              <a:t>Consejos</a:t>
+            </a:r>
+            <a:endParaRPr lang="en-US" dirty="0" smtClean="0"/>
+          </a:p>
+          <a:p>
+            <a:pPr lvl="1"/>
+            <a:r>
+              <a:rPr lang="en-US" dirty="0" err="1" smtClean="0"/>
+              <a:t>Empezar</a:t>
+            </a:r>
+            <a:r>
+              <a:rPr lang="en-US" dirty="0" smtClean="0"/>
+              <a:t> </a:t>
+            </a:r>
+            <a:r>
+              <a:rPr lang="en-US" dirty="0" err="1" smtClean="0"/>
+              <a:t>haciendo</a:t>
+            </a:r>
+            <a:r>
+              <a:rPr lang="en-US" dirty="0" smtClean="0"/>
+              <a:t> un </a:t>
+            </a:r>
+            <a:r>
+              <a:rPr lang="en-US" dirty="0" err="1" smtClean="0"/>
+              <a:t>bosquejo</a:t>
+            </a:r>
+            <a:r>
+              <a:rPr lang="en-US" dirty="0" smtClean="0"/>
+              <a:t> </a:t>
+            </a:r>
+            <a:r>
+              <a:rPr lang="en-US" dirty="0" err="1" smtClean="0"/>
+              <a:t>inicial</a:t>
+            </a:r>
+            <a:r>
+              <a:rPr lang="en-US" dirty="0" smtClean="0"/>
+              <a:t> del </a:t>
+            </a:r>
+            <a:r>
+              <a:rPr lang="en-US" dirty="0" err="1" smtClean="0"/>
+              <a:t>algoritmo</a:t>
+            </a:r>
+            <a:endParaRPr lang="en-US" dirty="0" smtClean="0"/>
+          </a:p>
+          <a:p>
+            <a:pPr lvl="1"/>
+            <a:r>
+              <a:rPr lang="en-US" dirty="0" err="1" smtClean="0"/>
+              <a:t>Una</a:t>
+            </a:r>
+            <a:r>
+              <a:rPr lang="en-US" dirty="0" smtClean="0"/>
+              <a:t> </a:t>
+            </a:r>
+            <a:r>
+              <a:rPr lang="en-US" dirty="0" err="1" smtClean="0"/>
+              <a:t>vez</a:t>
+            </a:r>
+            <a:r>
+              <a:rPr lang="en-US" dirty="0" smtClean="0"/>
+              <a:t> </a:t>
+            </a:r>
+            <a:r>
+              <a:rPr lang="en-US" dirty="0" err="1" smtClean="0"/>
+              <a:t>que</a:t>
+            </a:r>
+            <a:r>
+              <a:rPr lang="en-US" dirty="0" smtClean="0"/>
+              <a:t> </a:t>
+            </a:r>
+            <a:r>
+              <a:rPr lang="en-US" dirty="0" err="1" smtClean="0"/>
+              <a:t>esté</a:t>
+            </a:r>
+            <a:r>
+              <a:rPr lang="en-US" dirty="0" smtClean="0"/>
+              <a:t> </a:t>
+            </a:r>
+            <a:r>
+              <a:rPr lang="en-US" dirty="0" err="1" smtClean="0"/>
+              <a:t>seguro</a:t>
+            </a:r>
+            <a:r>
+              <a:rPr lang="en-US" dirty="0" smtClean="0"/>
+              <a:t> de </a:t>
+            </a:r>
+            <a:r>
+              <a:rPr lang="en-US" dirty="0" err="1" smtClean="0"/>
+              <a:t>que</a:t>
+            </a:r>
+            <a:r>
+              <a:rPr lang="en-US" dirty="0" smtClean="0"/>
+              <a:t> </a:t>
+            </a:r>
+            <a:r>
+              <a:rPr lang="en-US" dirty="0" err="1" smtClean="0"/>
+              <a:t>está</a:t>
+            </a:r>
+            <a:r>
+              <a:rPr lang="en-US" dirty="0" smtClean="0"/>
+              <a:t> </a:t>
+            </a:r>
+            <a:r>
+              <a:rPr lang="en-US" dirty="0" err="1" smtClean="0"/>
+              <a:t>ordenado</a:t>
+            </a:r>
+            <a:r>
+              <a:rPr lang="en-US" dirty="0" smtClean="0"/>
+              <a:t> y </a:t>
+            </a:r>
+            <a:r>
+              <a:rPr lang="en-US" dirty="0" err="1" smtClean="0"/>
+              <a:t>es</a:t>
+            </a:r>
+            <a:r>
+              <a:rPr lang="en-US" dirty="0" smtClean="0"/>
+              <a:t> </a:t>
+            </a:r>
+            <a:r>
+              <a:rPr lang="en-US" dirty="0" err="1" smtClean="0"/>
+              <a:t>claro</a:t>
+            </a:r>
+            <a:r>
+              <a:rPr lang="en-US" dirty="0" smtClean="0"/>
+              <a:t> </a:t>
+            </a:r>
+            <a:r>
+              <a:rPr lang="en-US" dirty="0" err="1" smtClean="0"/>
+              <a:t>escribir</a:t>
+            </a:r>
+            <a:r>
+              <a:rPr lang="en-US" dirty="0" smtClean="0"/>
+              <a:t> los </a:t>
+            </a:r>
+            <a:r>
+              <a:rPr lang="en-US" dirty="0" err="1" smtClean="0"/>
+              <a:t>pasos</a:t>
+            </a:r>
+            <a:r>
+              <a:rPr lang="en-US" dirty="0" smtClean="0"/>
+              <a:t> con </a:t>
+            </a:r>
+            <a:r>
+              <a:rPr lang="en-US" dirty="0" err="1" smtClean="0"/>
+              <a:t>números</a:t>
+            </a:r>
+            <a:r>
+              <a:rPr lang="en-US" dirty="0" smtClean="0"/>
+              <a:t> </a:t>
+            </a:r>
+            <a:r>
+              <a:rPr lang="en-US" dirty="0" err="1" smtClean="0"/>
+              <a:t>que</a:t>
+            </a:r>
+            <a:r>
+              <a:rPr lang="en-US" dirty="0" smtClean="0"/>
+              <a:t> </a:t>
+            </a:r>
+            <a:r>
+              <a:rPr lang="en-US" dirty="0" err="1" smtClean="0"/>
+              <a:t>orienten</a:t>
+            </a:r>
+            <a:r>
+              <a:rPr lang="en-US" dirty="0" smtClean="0"/>
+              <a:t> al lector</a:t>
+            </a:r>
+          </a:p>
+          <a:p>
+            <a:pPr lvl="1"/>
+            <a:r>
+              <a:rPr lang="en-US" dirty="0" err="1" smtClean="0"/>
+              <a:t>Una</a:t>
+            </a:r>
+            <a:r>
+              <a:rPr lang="en-US" dirty="0" smtClean="0"/>
+              <a:t> </a:t>
+            </a:r>
+            <a:r>
+              <a:rPr lang="en-US" dirty="0" err="1" smtClean="0"/>
+              <a:t>vez</a:t>
+            </a:r>
+            <a:r>
+              <a:rPr lang="en-US" dirty="0" smtClean="0"/>
+              <a:t> </a:t>
+            </a:r>
+            <a:r>
+              <a:rPr lang="en-US" dirty="0" err="1" smtClean="0"/>
+              <a:t>que</a:t>
+            </a:r>
+            <a:r>
+              <a:rPr lang="en-US" dirty="0" smtClean="0"/>
+              <a:t> el </a:t>
+            </a:r>
+            <a:r>
+              <a:rPr lang="en-US" dirty="0" err="1" smtClean="0"/>
+              <a:t>algoritmo</a:t>
+            </a:r>
+            <a:r>
+              <a:rPr lang="en-US" dirty="0" smtClean="0"/>
+              <a:t> </a:t>
+            </a:r>
+            <a:r>
+              <a:rPr lang="en-US" dirty="0" err="1" smtClean="0"/>
+              <a:t>esté</a:t>
+            </a:r>
+            <a:r>
+              <a:rPr lang="en-US" dirty="0" smtClean="0"/>
+              <a:t> </a:t>
+            </a:r>
+            <a:r>
+              <a:rPr lang="en-US" dirty="0" err="1" smtClean="0"/>
+              <a:t>completo</a:t>
+            </a:r>
+            <a:r>
+              <a:rPr lang="en-US" dirty="0" smtClean="0"/>
+              <a:t>, </a:t>
+            </a:r>
+            <a:r>
+              <a:rPr lang="en-US" dirty="0" err="1" smtClean="0"/>
+              <a:t>recorralo</a:t>
+            </a:r>
+            <a:r>
+              <a:rPr lang="en-US" dirty="0" smtClean="0"/>
+              <a:t> </a:t>
+            </a:r>
+            <a:r>
+              <a:rPr lang="en-US" dirty="0" err="1" smtClean="0"/>
+              <a:t>varias</a:t>
+            </a:r>
+            <a:r>
+              <a:rPr lang="en-US" dirty="0" smtClean="0"/>
+              <a:t> </a:t>
+            </a:r>
+            <a:r>
+              <a:rPr lang="en-US" dirty="0" err="1" smtClean="0"/>
+              <a:t>veces</a:t>
+            </a:r>
+            <a:r>
+              <a:rPr lang="en-US" dirty="0" smtClean="0"/>
+              <a:t> </a:t>
+            </a:r>
+            <a:r>
+              <a:rPr lang="en-US" dirty="0" err="1" smtClean="0"/>
+              <a:t>para</a:t>
+            </a:r>
+            <a:r>
+              <a:rPr lang="en-US" dirty="0" smtClean="0"/>
+              <a:t> </a:t>
+            </a:r>
+            <a:r>
+              <a:rPr lang="en-US" dirty="0" err="1" smtClean="0"/>
+              <a:t>estar</a:t>
+            </a:r>
+            <a:r>
+              <a:rPr lang="en-US" dirty="0" smtClean="0"/>
+              <a:t> </a:t>
+            </a:r>
+            <a:r>
+              <a:rPr lang="en-US" dirty="0" err="1" smtClean="0"/>
+              <a:t>seguro</a:t>
+            </a:r>
+            <a:r>
+              <a:rPr lang="en-US" dirty="0" smtClean="0"/>
+              <a:t> </a:t>
+            </a:r>
+            <a:r>
+              <a:rPr lang="en-US" dirty="0" err="1" smtClean="0"/>
+              <a:t>que</a:t>
+            </a:r>
+            <a:r>
+              <a:rPr lang="en-US" dirty="0" smtClean="0"/>
+              <a:t> </a:t>
+            </a:r>
+            <a:r>
+              <a:rPr lang="en-US" dirty="0" err="1" smtClean="0"/>
+              <a:t>está</a:t>
+            </a:r>
+            <a:r>
+              <a:rPr lang="en-US" dirty="0" smtClean="0"/>
+              <a:t> </a:t>
+            </a:r>
+            <a:r>
+              <a:rPr lang="en-US" dirty="0" err="1" smtClean="0"/>
+              <a:t>correcto</a:t>
+            </a:r>
+            <a:endParaRPr lang="en-US" dirty="0" smtClean="0"/>
+          </a:p>
+          <a:p>
+            <a:pPr marL="548640" lvl="2" indent="0">
+              <a:buNone/>
+            </a:pPr>
+            <a:r>
+              <a:rPr lang="en-US" dirty="0"/>
+              <a:t>	</a:t>
+            </a:r>
+          </a:p>
+        </p:txBody>
+      </p:sp>
+    </p:spTree>
+    <p:extLst>
+      <p:ext uri="{BB962C8B-B14F-4D97-AF65-F5344CB8AC3E}">
+        <p14:creationId xmlns:p14="http://schemas.microsoft.com/office/powerpoint/2010/main" val="678550203"/>
+      </p:ext>
+    </p:extLst>
+  </p:cSld>
+  <p:clrMapOvr>
+    <a:masterClrMapping/>
+  </p:clrMapOvr>
+</p:sld>
+</file>
+
+<file path=ppt/slides/slide4.xml><?xml version="1.0" encoding="utf-8"?>
+<p:sld xmlns:a="http://schemas.openxmlformats.org/drawingml/2006/main" xmlns:r="http://schemas.openxmlformats.org/officeDocument/2006/relationships" xmlns:p="http://schemas.openxmlformats.org/presentationml/2006/main">
+  <p:cSld>
+    <p:spTree>
+      <p:nvGrpSpPr>
+        <p:cNvPr id="1" name=""/>
+        <p:cNvGrpSpPr/>
+        <p:nvPr/>
+      </p:nvGrpSpPr>
+      <p:grpSpPr>
+        <a:xfrm>
+          <a:off x="0" y="0"/>
+          <a:ext cx="0" cy="0"/>
+          <a:chOff x="0" y="0"/>
+          <a:chExt cx="0" cy="0"/>
+        </a:xfrm>
+      </p:grpSpPr>
+      <p:sp>
+        <p:nvSpPr>
+          <p:cNvPr id="2" name="Title 1"/>
+          <p:cNvSpPr>
+            <a:spLocks noGrp="1"/>
+          </p:cNvSpPr>
+          <p:nvPr>
+            <p:ph type="title"/>
+          </p:nvPr>
+        </p:nvSpPr>
+        <p:spPr/>
+        <p:txBody>
+          <a:bodyPr>
+            <a:normAutofit/>
+          </a:bodyPr>
+          <a:lstStyle/>
+          <a:p>
+            <a:r>
+              <a:rPr lang="en-US" dirty="0" err="1" smtClean="0"/>
+              <a:t>Algoritmos</a:t>
+            </a:r>
+            <a:r>
+              <a:rPr lang="en-US" dirty="0" smtClean="0"/>
+              <a:t> 2.0</a:t>
+            </a:r>
+            <a:endParaRPr lang="en-US" dirty="0"/>
+          </a:p>
+        </p:txBody>
+      </p:sp>
+      <p:sp>
+        <p:nvSpPr>
+          <p:cNvPr id="3" name="Content Placeholder 2"/>
+          <p:cNvSpPr>
+            <a:spLocks noGrp="1"/>
+          </p:cNvSpPr>
+          <p:nvPr>
+            <p:ph idx="1"/>
+          </p:nvPr>
+        </p:nvSpPr>
+        <p:spPr/>
+        <p:txBody>
+          <a:bodyPr/>
+          <a:lstStyle/>
+          <a:p>
+            <a:r>
+              <a:rPr lang="en-US" dirty="0" err="1" smtClean="0"/>
+              <a:t>Ejercicio</a:t>
+            </a:r>
+            <a:endParaRPr lang="en-US" dirty="0" smtClean="0"/>
+          </a:p>
+          <a:p>
+            <a:r>
+              <a:rPr lang="en-US" dirty="0" smtClean="0"/>
+              <a:t>Imagine </a:t>
+            </a:r>
+            <a:r>
+              <a:rPr lang="en-US" dirty="0" err="1" smtClean="0"/>
+              <a:t>que</a:t>
+            </a:r>
+            <a:r>
+              <a:rPr lang="en-US" dirty="0" smtClean="0"/>
+              <a:t> </a:t>
+            </a:r>
+            <a:r>
+              <a:rPr lang="en-US" dirty="0" err="1" smtClean="0"/>
+              <a:t>su</a:t>
+            </a:r>
+            <a:r>
+              <a:rPr lang="en-US" dirty="0" smtClean="0"/>
+              <a:t> </a:t>
+            </a:r>
+            <a:r>
+              <a:rPr lang="en-US" dirty="0" err="1" smtClean="0"/>
+              <a:t>cocina</a:t>
+            </a:r>
+            <a:r>
+              <a:rPr lang="en-US" dirty="0" smtClean="0"/>
+              <a:t> </a:t>
+            </a:r>
+            <a:r>
+              <a:rPr lang="en-US" dirty="0" err="1" smtClean="0"/>
+              <a:t>es</a:t>
+            </a:r>
+            <a:r>
+              <a:rPr lang="en-US" dirty="0" smtClean="0"/>
+              <a:t> </a:t>
+            </a:r>
+            <a:r>
+              <a:rPr lang="en-US" dirty="0" err="1" smtClean="0"/>
+              <a:t>una</a:t>
+            </a:r>
+            <a:r>
+              <a:rPr lang="en-US" dirty="0" smtClean="0"/>
+              <a:t> </a:t>
+            </a:r>
+            <a:r>
+              <a:rPr lang="en-US" dirty="0" err="1" smtClean="0"/>
+              <a:t>máquina</a:t>
+            </a:r>
+            <a:r>
+              <a:rPr lang="en-US" dirty="0" smtClean="0"/>
+              <a:t> </a:t>
+            </a:r>
+            <a:r>
+              <a:rPr lang="en-US" dirty="0" err="1" smtClean="0"/>
+              <a:t>que</a:t>
+            </a:r>
+            <a:r>
+              <a:rPr lang="en-US" dirty="0" smtClean="0"/>
+              <a:t> </a:t>
+            </a:r>
+            <a:r>
+              <a:rPr lang="en-US" dirty="0" err="1" smtClean="0"/>
+              <a:t>tiene</a:t>
+            </a:r>
+            <a:r>
+              <a:rPr lang="en-US" dirty="0" smtClean="0"/>
+              <a:t> </a:t>
+            </a:r>
+            <a:r>
+              <a:rPr lang="en-US" dirty="0" err="1" smtClean="0"/>
+              <a:t>sartén</a:t>
+            </a:r>
+            <a:r>
+              <a:rPr lang="en-US" dirty="0" smtClean="0"/>
+              <a:t>, coffee maker, hornito, </a:t>
+            </a:r>
+            <a:r>
+              <a:rPr lang="en-US" dirty="0" err="1" smtClean="0"/>
+              <a:t>herramientas</a:t>
+            </a:r>
+            <a:r>
+              <a:rPr lang="en-US" dirty="0" smtClean="0"/>
+              <a:t> e </a:t>
+            </a:r>
+            <a:r>
+              <a:rPr lang="en-US" dirty="0" err="1" smtClean="0"/>
+              <a:t>ingredientes</a:t>
+            </a:r>
+            <a:r>
+              <a:rPr lang="en-US" dirty="0" smtClean="0"/>
+              <a:t>.</a:t>
+            </a:r>
+          </a:p>
+          <a:p>
+            <a:r>
+              <a:rPr lang="en-US" dirty="0" err="1" smtClean="0"/>
+              <a:t>Escriba</a:t>
+            </a:r>
+            <a:r>
+              <a:rPr lang="en-US" dirty="0" smtClean="0"/>
+              <a:t> un </a:t>
+            </a:r>
+            <a:r>
+              <a:rPr lang="en-US" dirty="0" err="1" smtClean="0"/>
+              <a:t>algoritmo</a:t>
+            </a:r>
+            <a:r>
+              <a:rPr lang="en-US" dirty="0" smtClean="0"/>
+              <a:t> </a:t>
+            </a:r>
+            <a:r>
+              <a:rPr lang="en-US" dirty="0" err="1" smtClean="0"/>
+              <a:t>que</a:t>
+            </a:r>
+            <a:r>
+              <a:rPr lang="en-US" dirty="0" smtClean="0"/>
+              <a:t> </a:t>
+            </a:r>
+            <a:r>
+              <a:rPr lang="en-US" dirty="0" smtClean="0"/>
+              <a:t>le </a:t>
+            </a:r>
+            <a:r>
+              <a:rPr lang="en-US" dirty="0" err="1" smtClean="0"/>
+              <a:t>permita</a:t>
+            </a:r>
+            <a:r>
+              <a:rPr lang="en-US" dirty="0" smtClean="0"/>
+              <a:t> a la </a:t>
+            </a:r>
+            <a:r>
+              <a:rPr lang="en-US" dirty="0" err="1" smtClean="0"/>
+              <a:t>máquina</a:t>
+            </a:r>
+            <a:r>
+              <a:rPr lang="en-US" dirty="0" smtClean="0"/>
+              <a:t> </a:t>
+            </a:r>
+            <a:r>
+              <a:rPr lang="en-US" dirty="0" err="1" smtClean="0"/>
+              <a:t>hacer</a:t>
+            </a:r>
+            <a:r>
+              <a:rPr lang="en-US" dirty="0" smtClean="0"/>
+              <a:t> un </a:t>
+            </a:r>
+            <a:r>
+              <a:rPr lang="en-US" dirty="0" err="1" smtClean="0"/>
+              <a:t>desayuno</a:t>
+            </a:r>
+            <a:r>
+              <a:rPr lang="en-US" dirty="0" smtClean="0"/>
+              <a:t> </a:t>
+            </a:r>
+            <a:r>
+              <a:rPr lang="en-US" dirty="0" err="1" smtClean="0"/>
+              <a:t>completo</a:t>
+            </a:r>
+            <a:r>
+              <a:rPr lang="en-US" dirty="0" smtClean="0"/>
+              <a:t>.</a:t>
+            </a:r>
+          </a:p>
+        </p:txBody>
+      </p:sp>
+    </p:spTree>
+    <p:extLst>
+      <p:ext uri="{BB962C8B-B14F-4D97-AF65-F5344CB8AC3E}">
+        <p14:creationId xmlns:p14="http://schemas.microsoft.com/office/powerpoint/2010/main" val="3799451871"/>
+      </p:ext>
+    </p:extLst>
+  </p:cSld>
+  <p:clrMapOvr>
+    <a:masterClrMapping/>
+  </p:clrMapOvr>
+  <p:timing>
+    <p:tnLst>
+      <p:par>
+        <p:cTn id="1" dur="indefinite" restart="never" nodeType="tmRoot"/>
+      </p:par>
+    </p:tnLst>
+  </p:timing>
+</p:sld>
+</file>
+
+<file path=ppt/slides/slide5.xml><?xml version="1.0" encoding="utf-8"?>
 <p:sld xmlns:a="http://schemas.openxmlformats.org/drawingml/2006/main" xmlns:r="http://schemas.openxmlformats.org/officeDocument/2006/relationships" xmlns:p="http://schemas.openxmlformats.org/presentationml/2006/main">
   <p:cSld>
     <p:spTree>
@@ -4222,7 +6626,7 @@
 </p:sld>
 </file>
 
-<file path=ppt/slides/slide4.xml><?xml version="1.0" encoding="utf-8"?>
+<file path=ppt/slides/slide6.xml><?xml version="1.0" encoding="utf-8"?>
 <p:sld xmlns:a="http://schemas.openxmlformats.org/drawingml/2006/main" xmlns:r="http://schemas.openxmlformats.org/officeDocument/2006/relationships" xmlns:p="http://schemas.openxmlformats.org/presentationml/2006/main">
   <p:cSld>
     <p:spTree>
@@ -4370,7 +6774,7 @@
           <a:p>
             <a:r>
               <a:rPr lang="en-US" dirty="0" err="1" smtClean="0"/>
-              <a:t>Triángulo</a:t>
+              <a:t>Romboide</a:t>
             </a:r>
             <a:r>
               <a:rPr lang="en-US" dirty="0" smtClean="0"/>
@@ -4378,19 +6782,34 @@
             </a:r>
             <a:r>
               <a:rPr lang="en-US" dirty="0" err="1" smtClean="0"/>
-              <a:t>memoria</a:t>
-            </a:r>
-            <a:r>
-              <a:rPr lang="en-US" dirty="0" smtClean="0"/>
-              <a:t> (temporal o </a:t>
-            </a:r>
-            <a:r>
-              <a:rPr lang="en-US" dirty="0" err="1" smtClean="0"/>
-              <a:t>permanente</a:t>
-            </a:r>
-            <a:r>
-              <a:rPr lang="en-US" dirty="0" smtClean="0"/>
-              <a:t>)</a:t>
+              <a:t>Lectura</a:t>
+            </a:r>
+            <a:endParaRPr lang="en-US" dirty="0" smtClean="0"/>
+          </a:p>
+          <a:p>
+            <a:r>
+              <a:rPr lang="en-US" dirty="0" err="1" smtClean="0"/>
+              <a:t>Rectángulo</a:t>
+            </a:r>
+            <a:r>
+              <a:rPr lang="en-US" dirty="0" smtClean="0"/>
+              <a:t> con </a:t>
+            </a:r>
+            <a:r>
+              <a:rPr lang="en-US" dirty="0" err="1" smtClean="0"/>
+              <a:t>curva</a:t>
+            </a:r>
+            <a:r>
+              <a:rPr lang="en-US" dirty="0" smtClean="0"/>
+              <a:t> - </a:t>
+            </a:r>
+            <a:r>
+              <a:rPr lang="en-US" dirty="0" err="1" smtClean="0"/>
+              <a:t>mensaje</a:t>
+            </a:r>
+            <a:r>
+              <a:rPr lang="en-US" dirty="0" smtClean="0"/>
+              <a:t> </a:t>
             </a:r>
           </a:p>
           <a:p>
@@ -4806,6 +7225,55 @@
                       </p:childTnLst>
                     </p:cTn>
                   </p:par>
+                  <p:par>
+                    <p:cTn id="27" fill="hold">
+                      <p:stCondLst>
+                        <p:cond delay="indefinite"/>
+                      </p:stCondLst>
+                      <p:childTnLst>
+                        <p:par>
+                          <p:cTn id="28" fill="hold">
+                            <p:stCondLst>
+                              <p:cond delay="0"/>
+                            </p:stCondLst>
+                            <p:childTnLst>
+                              <p:par>
+                                <p:cTn id="29" presetID="1" presetClass="entr" presetSubtype="0" fill="hold" grpId="0" nodeType="clickEffect">
+                                  <p:stCondLst>
+                                    <p:cond delay="0"/>
+                                  </p:stCondLst>
+                                  <p:childTnLst>
+                                    <p:set>
+                                      <p:cBhvr>
+                                        <p:cTn id="30" dur="1" fill="hold">
+                                          <p:stCondLst>
+                                            <p:cond delay="0"/>
+                                          </p:stCondLst>
+                                        </p:cTn>
+                                        <p:tgtEl>
+                                          <p:spTgt spid="3">
+                                            <p:txEl>
+                                              <p:pRg st="6" end="6"/>
+                                            </p:txEl>
+                                          </p:spTgt>
+                                        </p:tgtEl>
+                                        <p:attrNameLst>
+                                          <p:attrName>style.visibility</p:attrName>
+                                        </p:attrNameLst>
+                                      </p:cBhvr>
+                                      <p:to>
+                                        <p:strVal val="visible"/>
+                                      </p:to>
+                                    </p:set>
+                                  </p:childTnLst>
+                                </p:cTn>
+                              </p:par>
+                            </p:childTnLst>
+                          </p:cTn>
+                        </p:par>
+                      </p:childTnLst>
+                    </p:cTn>
+                  </p:par>
                 </p:childTnLst>
               </p:cTn>
               <p:prevCondLst>
@@ -4834,7 +7302,7 @@
 </p:sld>
 </file>
 
-<file path=ppt/slides/slide5.xml><?xml version="1.0" encoding="utf-8"?>
+<file path=ppt/slides/slide7.xml><?xml version="1.0" encoding="utf-8"?>
 <p:sld xmlns:a="http://schemas.openxmlformats.org/drawingml/2006/main" xmlns:r="http://schemas.openxmlformats.org/officeDocument/2006/relationships" xmlns:p="http://schemas.openxmlformats.org/presentationml/2006/main">
   <p:cSld>
     <p:spTree>
@@ -5057,7 +7525,7 @@
 </p:sld>
 </file>
 
-<file path=ppt/slides/slide6.xml><?xml version="1.0" encoding="utf-8"?>
+<file path=ppt/slides/slide8.xml><?xml version="1.0" encoding="utf-8"?>
 <p:sld xmlns:a="http://schemas.openxmlformats.org/drawingml/2006/main" xmlns:r="http://schemas.openxmlformats.org/officeDocument/2006/relationships" xmlns:p="http://schemas.openxmlformats.org/presentationml/2006/main">
   <p:cSld>
     <p:spTree>
@@ -5274,7 +7742,7 @@
 </p:sld>
 </file>
 
-<file path=ppt/slides/slide7.xml><?xml version="1.0" encoding="utf-8"?>
+<file path=ppt/slides/slide9.xml><?xml version="1.0" encoding="utf-8"?>
 <p:sld xmlns:a="http://schemas.openxmlformats.org/drawingml/2006/main" xmlns:r="http://schemas.openxmlformats.org/officeDocument/2006/relationships" xmlns:p="http://schemas.openxmlformats.org/presentationml/2006/main">
   <p:cSld>
     <p:spTree>
@@ -5303,374 +7771,229 @@
         </p:nvSpPr>
         <p:spPr/>
         <p:txBody>
-          <a:bodyPr>
-            <a:normAutofit fontScale="90000"/>
-          </a:bodyPr>
-          <a:lstStyle/>
-          <a:p>
-            <a:r>
-              <a:rPr lang="en-US" dirty="0" err="1" smtClean="0"/>
-              <a:t>Diagrama</a:t>
-            </a:r>
-            <a:r>
-              <a:rPr lang="en-US" dirty="0" smtClean="0"/>
-              <a:t> de </a:t>
-            </a:r>
-            <a:r>
-              <a:rPr lang="en-US" dirty="0" err="1" smtClean="0"/>
-              <a:t>flujo</a:t>
-            </a:r>
-            <a:r>
-              <a:rPr lang="en-US" dirty="0" smtClean="0"/>
-              <a:t> y </a:t>
-            </a:r>
-            <a:r>
-              <a:rPr lang="en-US" dirty="0" err="1" smtClean="0"/>
-              <a:t>pensamiento</a:t>
-            </a:r>
-            <a:r>
-              <a:rPr lang="en-US" dirty="0" smtClean="0"/>
-              <a:t> </a:t>
-            </a:r>
-            <a:r>
-              <a:rPr lang="en-US" dirty="0" err="1" smtClean="0"/>
-              <a:t>lógico</a:t>
-            </a:r>
-            <a:endParaRPr lang="en-US" dirty="0"/>
-          </a:p>
-        </p:txBody>
-      </p:sp>
-      <p:sp>
-        <p:nvSpPr>
-          <p:cNvPr id="3" name="Content Placeholder 2"/>
-          <p:cNvSpPr>
-            <a:spLocks noGrp="1"/>
-          </p:cNvSpPr>
-          <p:nvPr>
-            <p:ph idx="1"/>
-          </p:nvPr>
-        </p:nvSpPr>
-        <p:spPr/>
-        <p:txBody>
           <a:bodyPr/>
           <a:lstStyle/>
           <a:p>
             <a:r>
               <a:rPr lang="en-US" dirty="0" err="1" smtClean="0"/>
-              <a:t>Ejercicio</a:t>
-            </a:r>
-            <a:r>
-              <a:rPr lang="en-US" dirty="0" smtClean="0"/>
-              <a:t> 1</a:t>
-            </a:r>
-          </a:p>
-          <a:p>
-            <a:r>
-              <a:rPr lang="en-US" dirty="0" err="1" smtClean="0"/>
-              <a:t>Existe</a:t>
-            </a:r>
-            <a:r>
-              <a:rPr lang="en-US" dirty="0" smtClean="0"/>
-              <a:t> </a:t>
-            </a:r>
-            <a:r>
-              <a:rPr lang="en-US" dirty="0" err="1" smtClean="0"/>
-              <a:t>una</a:t>
-            </a:r>
-            <a:r>
-              <a:rPr lang="en-US" dirty="0" smtClean="0"/>
-              <a:t> </a:t>
-            </a:r>
-            <a:r>
-              <a:rPr lang="en-US" dirty="0" err="1" smtClean="0"/>
-              <a:t>máquina</a:t>
-            </a:r>
-            <a:r>
-              <a:rPr lang="en-US" dirty="0" smtClean="0"/>
-              <a:t> </a:t>
-            </a:r>
-            <a:r>
-              <a:rPr lang="en-US" dirty="0" err="1" smtClean="0"/>
-              <a:t>que</a:t>
-            </a:r>
-            <a:r>
-              <a:rPr lang="en-US" dirty="0" smtClean="0"/>
-              <a:t> </a:t>
-            </a:r>
-            <a:r>
-              <a:rPr lang="en-US" dirty="0" err="1" smtClean="0"/>
-              <a:t>empaca</a:t>
-            </a:r>
-            <a:r>
-              <a:rPr lang="en-US" dirty="0" smtClean="0"/>
-              <a:t> medias</a:t>
-            </a:r>
-          </a:p>
-          <a:p>
-            <a:r>
-              <a:rPr lang="en-US" dirty="0" smtClean="0"/>
-              <a:t>La </a:t>
-            </a:r>
-            <a:r>
-              <a:rPr lang="en-US" dirty="0" err="1" smtClean="0"/>
-              <a:t>máquina</a:t>
-            </a:r>
-            <a:r>
-              <a:rPr lang="en-US" dirty="0" smtClean="0"/>
-              <a:t> </a:t>
-            </a:r>
-            <a:r>
-              <a:rPr lang="en-US" dirty="0" err="1" smtClean="0"/>
-              <a:t>tiene</a:t>
-            </a:r>
-            <a:r>
-              <a:rPr lang="en-US" dirty="0" smtClean="0"/>
-              <a:t> </a:t>
-            </a:r>
-            <a:r>
-              <a:rPr lang="en-US" dirty="0" err="1" smtClean="0"/>
-              <a:t>procedimientos</a:t>
-            </a:r>
-            <a:r>
-              <a:rPr lang="en-US" dirty="0" smtClean="0"/>
-              <a:t> </a:t>
-            </a:r>
-            <a:r>
-              <a:rPr lang="en-US" dirty="0" err="1" smtClean="0"/>
-              <a:t>aprendidos</a:t>
-            </a:r>
-            <a:endParaRPr lang="en-US" dirty="0" smtClean="0"/>
+              <a:t>Diagramas</a:t>
+            </a:r>
+            <a:r>
+              <a:rPr lang="en-US" dirty="0" smtClean="0"/>
+              <a:t> de </a:t>
+            </a:r>
+            <a:r>
+              <a:rPr lang="en-US" dirty="0" err="1" smtClean="0"/>
+              <a:t>flujo</a:t>
+            </a:r>
+            <a:r>
+              <a:rPr lang="en-US" dirty="0" smtClean="0"/>
+              <a:t> - variables</a:t>
+            </a:r>
+            <a:endParaRPr lang="en-US" dirty="0"/>
+          </a:p>
+        </p:txBody>
+      </p:sp>
+      <p:sp>
+        <p:nvSpPr>
+          <p:cNvPr id="3" name="Content Placeholder 2"/>
+          <p:cNvSpPr>
+            <a:spLocks noGrp="1"/>
+          </p:cNvSpPr>
+          <p:nvPr>
+            <p:ph idx="1"/>
+          </p:nvPr>
+        </p:nvSpPr>
+        <p:spPr/>
+        <p:txBody>
+          <a:bodyPr/>
+          <a:lstStyle/>
+          <a:p>
+            <a:r>
+              <a:rPr lang="en-US" dirty="0" err="1" smtClean="0"/>
+              <a:t>Muchos</a:t>
+            </a:r>
+            <a:r>
+              <a:rPr lang="en-US" dirty="0" smtClean="0"/>
+              <a:t> </a:t>
+            </a:r>
+            <a:r>
+              <a:rPr lang="en-US" dirty="0" err="1" smtClean="0"/>
+              <a:t>diagramas</a:t>
+            </a:r>
+            <a:r>
+              <a:rPr lang="en-US" dirty="0" smtClean="0"/>
+              <a:t> de </a:t>
+            </a:r>
+            <a:r>
+              <a:rPr lang="en-US" dirty="0" err="1" smtClean="0"/>
+              <a:t>flujo</a:t>
+            </a:r>
+            <a:r>
+              <a:rPr lang="en-US" dirty="0" smtClean="0"/>
+              <a:t> y </a:t>
+            </a:r>
+            <a:r>
+              <a:rPr lang="en-US" dirty="0" err="1" smtClean="0"/>
+              <a:t>algoritmos</a:t>
+            </a:r>
+            <a:r>
+              <a:rPr lang="en-US" dirty="0" smtClean="0"/>
+              <a:t> </a:t>
+            </a:r>
+            <a:r>
+              <a:rPr lang="en-US" dirty="0" err="1" smtClean="0"/>
+              <a:t>usan</a:t>
+            </a:r>
+            <a:r>
+              <a:rPr lang="en-US" dirty="0" smtClean="0"/>
+              <a:t> variables.</a:t>
+            </a:r>
+          </a:p>
+          <a:p>
+            <a:r>
+              <a:rPr lang="en-US" dirty="0" err="1" smtClean="0"/>
+              <a:t>Una</a:t>
+            </a:r>
+            <a:r>
+              <a:rPr lang="en-US" dirty="0" smtClean="0"/>
+              <a:t> variable </a:t>
+            </a:r>
+            <a:r>
+              <a:rPr lang="en-US" dirty="0" err="1" smtClean="0"/>
+              <a:t>cuenta</a:t>
+            </a:r>
+            <a:r>
+              <a:rPr lang="en-US" dirty="0" smtClean="0"/>
+              <a:t> con 2 </a:t>
+            </a:r>
+            <a:r>
+              <a:rPr lang="en-US" dirty="0" err="1" smtClean="0"/>
+              <a:t>componentes</a:t>
+            </a:r>
+            <a:r>
+              <a:rPr lang="en-US" dirty="0" smtClean="0"/>
+              <a:t>, el </a:t>
+            </a:r>
+            <a:r>
+              <a:rPr lang="en-US" dirty="0" err="1" smtClean="0"/>
+              <a:t>primero</a:t>
+            </a:r>
+            <a:r>
+              <a:rPr lang="en-US" dirty="0" smtClean="0"/>
+              <a:t> </a:t>
+            </a:r>
+            <a:r>
+              <a:rPr lang="en-US" dirty="0" err="1" smtClean="0"/>
+              <a:t>es</a:t>
+            </a:r>
+            <a:r>
+              <a:rPr lang="en-US" dirty="0" smtClean="0"/>
+              <a:t> un </a:t>
+            </a:r>
+            <a:r>
+              <a:rPr lang="en-US" dirty="0" err="1" smtClean="0"/>
+              <a:t>espacio</a:t>
+            </a:r>
+            <a:r>
+              <a:rPr lang="en-US" dirty="0" smtClean="0"/>
+              <a:t> en el </a:t>
+            </a:r>
+            <a:r>
+              <a:rPr lang="en-US" dirty="0" err="1" smtClean="0"/>
+              <a:t>sistema</a:t>
+            </a:r>
+            <a:r>
+              <a:rPr lang="en-US" dirty="0" smtClean="0"/>
+              <a:t> de </a:t>
+            </a:r>
+            <a:r>
+              <a:rPr lang="en-US" dirty="0" err="1" smtClean="0"/>
+              <a:t>almacenaje</a:t>
+            </a:r>
+            <a:r>
+              <a:rPr lang="en-US" dirty="0" smtClean="0"/>
+              <a:t> y el </a:t>
+            </a:r>
+            <a:r>
+              <a:rPr lang="en-US" dirty="0" err="1" smtClean="0"/>
+              <a:t>segundo</a:t>
+            </a:r>
+            <a:r>
+              <a:rPr lang="en-US" dirty="0" smtClean="0"/>
+              <a:t> </a:t>
+            </a:r>
+            <a:r>
+              <a:rPr lang="en-US" dirty="0" err="1" smtClean="0"/>
+              <a:t>es</a:t>
+            </a:r>
+            <a:r>
+              <a:rPr lang="en-US" dirty="0" smtClean="0"/>
+              <a:t> un </a:t>
+            </a:r>
+            <a:r>
+              <a:rPr lang="en-US" dirty="0" err="1" smtClean="0"/>
+              <a:t>nombre</a:t>
+            </a:r>
+            <a:r>
+              <a:rPr lang="en-US" dirty="0" smtClean="0"/>
+              <a:t> </a:t>
+            </a:r>
+            <a:r>
+              <a:rPr lang="en-US" dirty="0" err="1" smtClean="0"/>
+              <a:t>simbólico</a:t>
+            </a:r>
+            <a:r>
+              <a:rPr lang="en-US" dirty="0" smtClean="0"/>
+              <a:t>.</a:t>
+            </a:r>
           </a:p>
           <a:p>
             <a:pPr lvl="1"/>
             <a:r>
               <a:rPr lang="en-US" dirty="0" err="1" smtClean="0"/>
-              <a:t>Sabe</a:t>
-            </a:r>
-            <a:r>
-              <a:rPr lang="en-US" dirty="0" smtClean="0"/>
-              <a:t> </a:t>
-            </a:r>
-            <a:r>
-              <a:rPr lang="en-US" dirty="0" err="1" smtClean="0"/>
-              <a:t>contar</a:t>
-            </a:r>
-            <a:endParaRPr lang="en-US" dirty="0" smtClean="0"/>
+              <a:t>Ejemplos</a:t>
+            </a:r>
+            <a:r>
+              <a:rPr lang="en-US" dirty="0" smtClean="0"/>
+              <a:t>: </a:t>
+            </a:r>
           </a:p>
           <a:p>
             <a:pPr lvl="1"/>
             <a:r>
               <a:rPr lang="en-US" dirty="0" err="1" smtClean="0"/>
-              <a:t>Sabe</a:t>
-            </a:r>
-            <a:r>
-              <a:rPr lang="en-US" dirty="0" smtClean="0"/>
-              <a:t> </a:t>
-            </a:r>
-            <a:r>
-              <a:rPr lang="en-US" dirty="0" err="1" smtClean="0"/>
-              <a:t>tomar</a:t>
-            </a:r>
-            <a:r>
-              <a:rPr lang="en-US" dirty="0" smtClean="0"/>
-              <a:t> </a:t>
-            </a:r>
-            <a:r>
-              <a:rPr lang="en-US" dirty="0" err="1" smtClean="0"/>
-              <a:t>una</a:t>
-            </a:r>
-            <a:r>
-              <a:rPr lang="en-US" dirty="0" smtClean="0"/>
-              <a:t> media</a:t>
+              <a:t>nombre</a:t>
+            </a:r>
+            <a:r>
+              <a:rPr lang="en-US" dirty="0" smtClean="0"/>
+              <a:t> = “Bruce Wayne”</a:t>
             </a:r>
           </a:p>
           <a:p>
             <a:pPr lvl="1"/>
             <a:r>
-              <a:rPr lang="en-US" dirty="0" err="1" smtClean="0"/>
-              <a:t>Sabe</a:t>
-            </a:r>
-            <a:r>
-              <a:rPr lang="en-US" dirty="0" smtClean="0"/>
-              <a:t> </a:t>
-            </a:r>
-            <a:r>
-              <a:rPr lang="en-US" dirty="0" err="1" smtClean="0"/>
-              <a:t>tomar</a:t>
-            </a:r>
-            <a:r>
-              <a:rPr lang="en-US" dirty="0" smtClean="0"/>
-              <a:t> </a:t>
-            </a:r>
-            <a:r>
-              <a:rPr lang="en-US" dirty="0" err="1" smtClean="0"/>
-              <a:t>una</a:t>
-            </a:r>
-            <a:r>
-              <a:rPr lang="en-US" dirty="0" smtClean="0"/>
-              <a:t> </a:t>
-            </a:r>
-            <a:r>
-              <a:rPr lang="en-US" dirty="0" err="1" smtClean="0"/>
-              <a:t>bolsa</a:t>
-            </a:r>
-            <a:endParaRPr lang="en-US" dirty="0" smtClean="0"/>
+              <a:rPr lang="en-US" dirty="0" err="1"/>
+              <a:t>s</a:t>
+            </a:r>
+            <a:r>
+              <a:rPr lang="en-US" dirty="0" err="1" smtClean="0"/>
+              <a:t>alario</a:t>
+            </a:r>
+            <a:r>
+              <a:rPr lang="en-US" dirty="0" smtClean="0"/>
+              <a:t> = 100000</a:t>
+            </a:r>
           </a:p>
           <a:p>
             <a:pPr lvl="1"/>
             <a:r>
               <a:rPr lang="en-US" dirty="0" err="1" smtClean="0"/>
-              <a:t>Sabe</a:t>
-            </a:r>
-            <a:r>
-              <a:rPr lang="en-US" dirty="0" smtClean="0"/>
-              <a:t> </a:t>
-            </a:r>
-            <a:r>
-              <a:rPr lang="en-US" dirty="0" err="1" smtClean="0"/>
-              <a:t>empacar</a:t>
-            </a:r>
-            <a:r>
-              <a:rPr lang="en-US" dirty="0" smtClean="0"/>
-              <a:t> la media</a:t>
-            </a:r>
-          </a:p>
-          <a:p>
-            <a:pPr lvl="1"/>
-            <a:r>
-              <a:rPr lang="en-US" dirty="0" err="1" smtClean="0"/>
-              <a:t>Sabe</a:t>
-            </a:r>
-            <a:r>
-              <a:rPr lang="en-US" dirty="0" smtClean="0"/>
-              <a:t> </a:t>
-            </a:r>
-            <a:r>
-              <a:rPr lang="en-US" dirty="0" err="1" smtClean="0"/>
-              <a:t>poner</a:t>
-            </a:r>
-            <a:r>
-              <a:rPr lang="en-US" dirty="0" smtClean="0"/>
-              <a:t> la </a:t>
-            </a:r>
-            <a:r>
-              <a:rPr lang="en-US" dirty="0" err="1" smtClean="0"/>
-              <a:t>bolsa</a:t>
-            </a:r>
-            <a:r>
-              <a:rPr lang="en-US" dirty="0" smtClean="0"/>
-              <a:t> en </a:t>
-            </a:r>
-            <a:r>
-              <a:rPr lang="en-US" dirty="0" err="1" smtClean="0"/>
-              <a:t>una</a:t>
-            </a:r>
-            <a:r>
-              <a:rPr lang="en-US" dirty="0" smtClean="0"/>
-              <a:t> </a:t>
-            </a:r>
-            <a:r>
-              <a:rPr lang="en-US" dirty="0" err="1" smtClean="0"/>
-              <a:t>caja</a:t>
-            </a:r>
-            <a:endParaRPr lang="en-US" dirty="0" smtClean="0"/>
-          </a:p>
-          <a:p>
-            <a:r>
-              <a:rPr lang="en-US" dirty="0" err="1" smtClean="0"/>
-              <a:t>Diseñe</a:t>
-            </a:r>
-            <a:r>
-              <a:rPr lang="en-US" dirty="0" smtClean="0"/>
-              <a:t> un </a:t>
-            </a:r>
-            <a:r>
-              <a:rPr lang="en-US" dirty="0" err="1" smtClean="0"/>
-              <a:t>proceso</a:t>
-            </a:r>
-            <a:r>
-              <a:rPr lang="en-US" dirty="0" smtClean="0"/>
-              <a:t> </a:t>
-            </a:r>
-            <a:r>
-              <a:rPr lang="en-US" dirty="0" err="1" smtClean="0"/>
-              <a:t>para</a:t>
-            </a:r>
-            <a:r>
-              <a:rPr lang="en-US" dirty="0" smtClean="0"/>
-              <a:t> </a:t>
-            </a:r>
-            <a:r>
-              <a:rPr lang="en-US" dirty="0" err="1" smtClean="0"/>
-              <a:t>que</a:t>
-            </a:r>
-            <a:r>
-              <a:rPr lang="en-US" dirty="0" smtClean="0"/>
-              <a:t> la </a:t>
-            </a:r>
-            <a:r>
-              <a:rPr lang="en-US" dirty="0" err="1" smtClean="0"/>
-              <a:t>máquina</a:t>
-            </a:r>
-            <a:r>
-              <a:rPr lang="en-US" dirty="0" smtClean="0"/>
-              <a:t> </a:t>
-            </a:r>
-            <a:r>
-              <a:rPr lang="en-US" dirty="0" err="1" smtClean="0"/>
-              <a:t>empaque</a:t>
-            </a:r>
-            <a:r>
-              <a:rPr lang="en-US" dirty="0" smtClean="0"/>
-              <a:t> 2 medias en </a:t>
-            </a:r>
-            <a:r>
-              <a:rPr lang="en-US" dirty="0" err="1" smtClean="0"/>
-              <a:t>una</a:t>
-            </a:r>
-            <a:r>
-              <a:rPr lang="en-US" dirty="0" smtClean="0"/>
-              <a:t> </a:t>
-            </a:r>
-            <a:r>
-              <a:rPr lang="en-US" dirty="0" err="1" smtClean="0"/>
-              <a:t>bolsa</a:t>
-            </a:r>
-            <a:r>
-              <a:rPr lang="en-US" dirty="0" smtClean="0"/>
-              <a:t> y </a:t>
-            </a:r>
-            <a:r>
-              <a:rPr lang="en-US" dirty="0" err="1" smtClean="0"/>
-              <a:t>las</a:t>
-            </a:r>
-            <a:r>
-              <a:rPr lang="en-US" dirty="0" smtClean="0"/>
-              <a:t> </a:t>
-            </a:r>
-            <a:r>
-              <a:rPr lang="en-US" dirty="0" err="1" smtClean="0"/>
-              <a:t>ponga</a:t>
-            </a:r>
-            <a:r>
-              <a:rPr lang="en-US" dirty="0" smtClean="0"/>
-              <a:t> en </a:t>
-            </a:r>
-            <a:r>
-              <a:rPr lang="en-US" dirty="0" err="1" smtClean="0"/>
-              <a:t>una</a:t>
-            </a:r>
-            <a:r>
-              <a:rPr lang="en-US" dirty="0" smtClean="0"/>
-              <a:t> </a:t>
-            </a:r>
-            <a:r>
-              <a:rPr lang="en-US" dirty="0" err="1" smtClean="0"/>
-              <a:t>caja</a:t>
-            </a:r>
-            <a:r>
-              <a:rPr lang="en-US" dirty="0" smtClean="0"/>
-              <a:t>.</a:t>
+              <a:t>existo</a:t>
+            </a:r>
+            <a:r>
+              <a:rPr lang="en-US" dirty="0" smtClean="0"/>
+              <a:t> = true</a:t>
             </a:r>
             <a:endParaRPr lang="en-US" dirty="0"/>
           </a:p>
@@ -5679,288 +8002,7 @@
     </p:spTree>
     <p:extLst>
       <p:ext uri="{BB962C8B-B14F-4D97-AF65-F5344CB8AC3E}">
-        <p14:creationId xmlns:p14="http://schemas.microsoft.com/office/powerpoint/2010/main" val="1344846950"/>
-      </p:ext>
-    </p:extLst>
-  </p:cSld>
-  <p:clrMapOvr>
-    <a:masterClrMapping/>
-  </p:clrMapOvr>
-  <p:timing>
-    <p:tnLst>
-      <p:par>
-        <p:cTn id="1" dur="indefinite" restart="never" nodeType="tmRoot"/>
-      </p:par>
-    </p:tnLst>
-  </p:timing>
-</p:sld>
-</file>
-
-<file path=ppt/slides/slide8.xml><?xml version="1.0" encoding="utf-8"?>
-<p:sld xmlns:a="http://schemas.openxmlformats.org/drawingml/2006/main" xmlns:r="http://schemas.openxmlformats.org/officeDocument/2006/relationships" xmlns:p="http://schemas.openxmlformats.org/presentationml/2006/main">
-  <p:cSld>
-    <p:spTree>
-      <p:nvGrpSpPr>
-        <p:cNvPr id="1" name=""/>
-        <p:cNvGrpSpPr/>
-        <p:nvPr/>
-      </p:nvGrpSpPr>
-      <p:grpSpPr>
-        <a:xfrm>
-          <a:off x="0" y="0"/>
-          <a:ext cx="0" cy="0"/>
-          <a:chOff x="0" y="0"/>
-          <a:chExt cx="0" cy="0"/>
-        </a:xfrm>
-      </p:grpSpPr>
-      <p:sp>
-        <p:nvSpPr>
-          <p:cNvPr id="2" name="Title 1"/>
-          <p:cNvSpPr>
-            <a:spLocks noGrp="1"/>
-          </p:cNvSpPr>
-          <p:nvPr>
-            <p:ph type="title"/>
-          </p:nvPr>
-        </p:nvSpPr>
-        <p:spPr/>
-        <p:txBody>
-          <a:bodyPr>
-            <a:normAutofit fontScale="90000"/>
-          </a:bodyPr>
-          <a:lstStyle/>
-          <a:p>
-            <a:r>
-              <a:rPr lang="en-US" dirty="0" err="1" smtClean="0"/>
-              <a:t>Diagrama</a:t>
-            </a:r>
-            <a:r>
-              <a:rPr lang="en-US" dirty="0" smtClean="0"/>
-              <a:t> de </a:t>
-            </a:r>
-            <a:r>
-              <a:rPr lang="en-US" dirty="0" err="1" smtClean="0"/>
-              <a:t>flujo</a:t>
-            </a:r>
-            <a:r>
-              <a:rPr lang="en-US" dirty="0" smtClean="0"/>
-              <a:t> y </a:t>
-            </a:r>
-            <a:r>
-              <a:rPr lang="en-US" dirty="0" err="1" smtClean="0"/>
-              <a:t>pensamiento</a:t>
-            </a:r>
-            <a:r>
-              <a:rPr lang="en-US" dirty="0" smtClean="0"/>
-              <a:t> </a:t>
-            </a:r>
-            <a:r>
-              <a:rPr lang="en-US" dirty="0" err="1" smtClean="0"/>
-              <a:t>lógico</a:t>
-            </a:r>
-            <a:endParaRPr lang="en-US" dirty="0"/>
-          </a:p>
-        </p:txBody>
-      </p:sp>
-      <p:sp>
-        <p:nvSpPr>
-          <p:cNvPr id="3" name="Content Placeholder 2"/>
-          <p:cNvSpPr>
-            <a:spLocks noGrp="1"/>
-          </p:cNvSpPr>
-          <p:nvPr>
-            <p:ph idx="1"/>
-          </p:nvPr>
-        </p:nvSpPr>
-        <p:spPr/>
-        <p:txBody>
-          <a:bodyPr/>
-          <a:lstStyle/>
-          <a:p>
-            <a:r>
-              <a:rPr lang="en-US" dirty="0" err="1" smtClean="0"/>
-              <a:t>Ejercicio</a:t>
-            </a:r>
-            <a:r>
-              <a:rPr lang="en-US" dirty="0" smtClean="0"/>
-              <a:t> 2</a:t>
-            </a:r>
-          </a:p>
-          <a:p>
-            <a:r>
-              <a:rPr lang="en-US" dirty="0" smtClean="0"/>
-              <a:t>Imagine </a:t>
-            </a:r>
-            <a:r>
-              <a:rPr lang="en-US" dirty="0" err="1" smtClean="0"/>
-              <a:t>que</a:t>
-            </a:r>
-            <a:r>
-              <a:rPr lang="en-US" dirty="0" smtClean="0"/>
-              <a:t> </a:t>
-            </a:r>
-            <a:r>
-              <a:rPr lang="en-US" dirty="0" err="1" smtClean="0"/>
-              <a:t>su</a:t>
-            </a:r>
-            <a:r>
-              <a:rPr lang="en-US" dirty="0" smtClean="0"/>
-              <a:t> </a:t>
-            </a:r>
-            <a:r>
-              <a:rPr lang="en-US" dirty="0" err="1" smtClean="0"/>
-              <a:t>cocina</a:t>
-            </a:r>
-            <a:r>
-              <a:rPr lang="en-US" dirty="0" smtClean="0"/>
-              <a:t> </a:t>
-            </a:r>
-            <a:r>
-              <a:rPr lang="en-US" dirty="0" err="1" smtClean="0"/>
-              <a:t>es</a:t>
-            </a:r>
-            <a:r>
-              <a:rPr lang="en-US" dirty="0" smtClean="0"/>
-              <a:t> </a:t>
-            </a:r>
-            <a:r>
-              <a:rPr lang="en-US" dirty="0" err="1" smtClean="0"/>
-              <a:t>una</a:t>
-            </a:r>
-            <a:r>
-              <a:rPr lang="en-US" dirty="0" smtClean="0"/>
-              <a:t> </a:t>
-            </a:r>
-            <a:r>
-              <a:rPr lang="en-US" dirty="0" err="1" smtClean="0"/>
-              <a:t>máquina</a:t>
-            </a:r>
-            <a:r>
-              <a:rPr lang="en-US" dirty="0" smtClean="0"/>
-              <a:t> </a:t>
-            </a:r>
-            <a:r>
-              <a:rPr lang="en-US" dirty="0" err="1" smtClean="0"/>
-              <a:t>que</a:t>
-            </a:r>
-            <a:r>
-              <a:rPr lang="en-US" dirty="0" smtClean="0"/>
-              <a:t> </a:t>
-            </a:r>
-            <a:r>
-              <a:rPr lang="en-US" dirty="0" err="1" smtClean="0"/>
-              <a:t>tiene</a:t>
-            </a:r>
-            <a:r>
-              <a:rPr lang="en-US" dirty="0" smtClean="0"/>
-              <a:t> </a:t>
-            </a:r>
-            <a:r>
-              <a:rPr lang="en-US" dirty="0" err="1" smtClean="0"/>
-              <a:t>sartén</a:t>
-            </a:r>
-            <a:r>
-              <a:rPr lang="en-US" dirty="0" smtClean="0"/>
-              <a:t>, coffee maker, hornito, </a:t>
-            </a:r>
-            <a:r>
-              <a:rPr lang="en-US" dirty="0" err="1" smtClean="0"/>
-              <a:t>herramientas</a:t>
-            </a:r>
-            <a:r>
-              <a:rPr lang="en-US" dirty="0" smtClean="0"/>
-              <a:t> e </a:t>
-            </a:r>
-            <a:r>
-              <a:rPr lang="en-US" dirty="0" err="1" smtClean="0"/>
-              <a:t>ingredientes</a:t>
-            </a:r>
-            <a:r>
-              <a:rPr lang="en-US" dirty="0" smtClean="0"/>
-              <a:t>.</a:t>
-            </a:r>
-          </a:p>
-          <a:p>
-            <a:r>
-              <a:rPr lang="en-US" dirty="0" err="1" smtClean="0"/>
-              <a:t>Escriba</a:t>
-            </a:r>
-            <a:r>
-              <a:rPr lang="en-US" dirty="0" smtClean="0"/>
-              <a:t> un </a:t>
-            </a:r>
-            <a:r>
-              <a:rPr lang="en-US" dirty="0" err="1" smtClean="0"/>
-              <a:t>proceso</a:t>
-            </a:r>
-            <a:r>
-              <a:rPr lang="en-US" dirty="0" smtClean="0"/>
-              <a:t> con </a:t>
-            </a:r>
-            <a:r>
-              <a:rPr lang="en-US" dirty="0" err="1" smtClean="0"/>
-              <a:t>verificadores</a:t>
-            </a:r>
-            <a:r>
-              <a:rPr lang="en-US" dirty="0" smtClean="0"/>
-              <a:t> </a:t>
-            </a:r>
-            <a:r>
-              <a:rPr lang="en-US" dirty="0" err="1" smtClean="0"/>
-              <a:t>que</a:t>
-            </a:r>
-            <a:r>
-              <a:rPr lang="en-US" dirty="0" smtClean="0"/>
-              <a:t> le </a:t>
-            </a:r>
-            <a:r>
-              <a:rPr lang="en-US" dirty="0" err="1" smtClean="0"/>
-              <a:t>permita</a:t>
-            </a:r>
-            <a:r>
-              <a:rPr lang="en-US" dirty="0" smtClean="0"/>
-              <a:t> a la </a:t>
-            </a:r>
-            <a:r>
-              <a:rPr lang="en-US" dirty="0" err="1" smtClean="0"/>
-              <a:t>máquina</a:t>
-            </a:r>
-            <a:r>
-              <a:rPr lang="en-US" dirty="0" smtClean="0"/>
-              <a:t> </a:t>
-            </a:r>
-            <a:r>
-              <a:rPr lang="en-US" dirty="0" err="1" smtClean="0"/>
-              <a:t>hacer</a:t>
-            </a:r>
-            <a:r>
-              <a:rPr lang="en-US" dirty="0" smtClean="0"/>
-              <a:t> un </a:t>
-            </a:r>
-            <a:r>
-              <a:rPr lang="en-US" dirty="0" err="1" smtClean="0"/>
-              <a:t>desayuno</a:t>
-            </a:r>
-            <a:r>
-              <a:rPr lang="en-US" dirty="0" smtClean="0"/>
-              <a:t> </a:t>
-            </a:r>
-            <a:r>
-              <a:rPr lang="en-US" dirty="0" err="1" smtClean="0"/>
-              <a:t>completo</a:t>
-            </a:r>
-            <a:r>
-              <a:rPr lang="en-US" smtClean="0"/>
-              <a:t>.</a:t>
-            </a:r>
-            <a:endParaRPr lang="en-US" dirty="0"/>
-          </a:p>
-        </p:txBody>
-      </p:sp>
-    </p:spTree>
-    <p:extLst>
-      <p:ext uri="{BB962C8B-B14F-4D97-AF65-F5344CB8AC3E}">
-        <p14:creationId xmlns:p14="http://schemas.microsoft.com/office/powerpoint/2010/main" val="3799451871"/>
+        <p14:creationId xmlns:p14="http://schemas.microsoft.com/office/powerpoint/2010/main" val="1797933182"/>
       </p:ext>
     </p:extLst>
   </p:cSld>

--- a/Semana 2.pptx
+++ b/Semana 2.pptx
@@ -310,7 +310,7 @@
           <a:p>
             <a:fld id="{2BD09FA6-5415-4E41-8EC0-843F16C90881}" type="datetimeFigureOut">
               <a:rPr lang="en-US" smtClean="0"/>
-              <a:t>1/18/2017</a:t>
+              <a:t>5/22/2017</a:t>
             </a:fld>
             <a:endParaRPr lang="en-US"/>
           </a:p>
@@ -510,7 +510,7 @@
           <a:p>
             <a:fld id="{2BD09FA6-5415-4E41-8EC0-843F16C90881}" type="datetimeFigureOut">
               <a:rPr lang="en-US" smtClean="0"/>
-              <a:t>1/18/2017</a:t>
+              <a:t>5/22/2017</a:t>
             </a:fld>
             <a:endParaRPr lang="en-US"/>
           </a:p>
@@ -685,7 +685,7 @@
           <a:p>
             <a:fld id="{2BD09FA6-5415-4E41-8EC0-843F16C90881}" type="datetimeFigureOut">
               <a:rPr lang="en-US" smtClean="0"/>
-              <a:t>1/18/2017</a:t>
+              <a:t>5/22/2017</a:t>
             </a:fld>
             <a:endParaRPr lang="en-US"/>
           </a:p>
@@ -850,7 +850,7 @@
           <a:p>
             <a:fld id="{2BD09FA6-5415-4E41-8EC0-843F16C90881}" type="datetimeFigureOut">
               <a:rPr lang="en-US" smtClean="0"/>
-              <a:t>1/18/2017</a:t>
+              <a:t>5/22/2017</a:t>
             </a:fld>
             <a:endParaRPr lang="en-US"/>
           </a:p>
@@ -1098,7 +1098,7 @@
           <a:p>
             <a:fld id="{2BD09FA6-5415-4E41-8EC0-843F16C90881}" type="datetimeFigureOut">
               <a:rPr lang="en-US" smtClean="0"/>
-              <a:t>1/18/2017</a:t>
+              <a:t>5/22/2017</a:t>
             </a:fld>
             <a:endParaRPr lang="en-US"/>
           </a:p>
@@ -1416,7 +1416,7 @@
           <a:p>
             <a:fld id="{2BD09FA6-5415-4E41-8EC0-843F16C90881}" type="datetimeFigureOut">
               <a:rPr lang="en-US" smtClean="0"/>
-              <a:t>1/18/2017</a:t>
+              <a:t>5/22/2017</a:t>
             </a:fld>
             <a:endParaRPr lang="en-US"/>
           </a:p>
@@ -1882,7 +1882,7 @@
           <a:p>
             <a:fld id="{2BD09FA6-5415-4E41-8EC0-843F16C90881}" type="datetimeFigureOut">
               <a:rPr lang="en-US" smtClean="0"/>
-              <a:t>1/18/2017</a:t>
+              <a:t>5/22/2017</a:t>
             </a:fld>
             <a:endParaRPr lang="en-US"/>
           </a:p>
@@ -2030,7 +2030,7 @@
           <a:p>
             <a:fld id="{2BD09FA6-5415-4E41-8EC0-843F16C90881}" type="datetimeFigureOut">
               <a:rPr lang="en-US" smtClean="0"/>
-              <a:t>1/18/2017</a:t>
+              <a:t>5/22/2017</a:t>
             </a:fld>
             <a:endParaRPr lang="en-US"/>
           </a:p>
@@ -2120,7 +2120,7 @@
           <a:p>
             <a:fld id="{2BD09FA6-5415-4E41-8EC0-843F16C90881}" type="datetimeFigureOut">
               <a:rPr lang="en-US" smtClean="0"/>
-              <a:t>1/18/2017</a:t>
+              <a:t>5/22/2017</a:t>
             </a:fld>
             <a:endParaRPr lang="en-US"/>
           </a:p>
@@ -2394,7 +2394,7 @@
           <a:p>
             <a:fld id="{2BD09FA6-5415-4E41-8EC0-843F16C90881}" type="datetimeFigureOut">
               <a:rPr lang="en-US" smtClean="0"/>
-              <a:t>1/18/2017</a:t>
+              <a:t>5/22/2017</a:t>
             </a:fld>
             <a:endParaRPr lang="en-US"/>
           </a:p>
@@ -2699,7 +2699,7 @@
           <a:p>
             <a:fld id="{2BD09FA6-5415-4E41-8EC0-843F16C90881}" type="datetimeFigureOut">
               <a:rPr lang="en-US" smtClean="0"/>
-              <a:t>1/18/2017</a:t>
+              <a:t>5/22/2017</a:t>
             </a:fld>
             <a:endParaRPr lang="en-US"/>
           </a:p>
@@ -2997,7 +2997,7 @@
           <a:p>
             <a:fld id="{2BD09FA6-5415-4E41-8EC0-843F16C90881}" type="datetimeFigureOut">
               <a:rPr lang="en-US" smtClean="0"/>
-              <a:t>1/18/2017</a:t>
+              <a:t>5/22/2017</a:t>
             </a:fld>
             <a:endParaRPr lang="en-US"/>
           </a:p>
@@ -3865,8 +3865,29 @@
             </a:r>
             <a:r>
               <a:rPr lang="en-US" dirty="0" smtClean="0"/>
-              <a:t> mayor a B”</a:t>
-            </a:r>
+              <a:t> mayor a B</a:t>
+            </a:r>
+            <a:r>
+              <a:rPr lang="en-US" dirty="0" smtClean="0"/>
+              <a:t>”, </a:t>
+            </a:r>
+            <a:r>
+              <a:rPr lang="en-US" dirty="0" err="1" smtClean="0"/>
+              <a:t>siga</a:t>
+            </a:r>
+            <a:r>
+              <a:rPr lang="en-US" dirty="0" smtClean="0"/>
+              <a:t> al </a:t>
+            </a:r>
+            <a:r>
+              <a:rPr lang="en-US" dirty="0" err="1" smtClean="0"/>
+              <a:t>paso</a:t>
+            </a:r>
+            <a:r>
+              <a:rPr lang="en-US" dirty="0" smtClean="0"/>
+              <a:t> 9 </a:t>
+            </a:r>
+            <a:endParaRPr lang="en-US" dirty="0" smtClean="0"/>
           </a:p>
           <a:p>
             <a:pPr lvl="1"/>
@@ -3900,8 +3921,25 @@
             </a:r>
             <a:r>
               <a:rPr lang="en-US" dirty="0" smtClean="0"/>
-              <a:t>”</a:t>
-            </a:r>
+              <a:t>”, </a:t>
+            </a:r>
+            <a:r>
+              <a:rPr lang="en-US" dirty="0" err="1"/>
+              <a:t>siga</a:t>
+            </a:r>
+            <a:r>
+              <a:rPr lang="en-US" dirty="0"/>
+              <a:t> al </a:t>
+            </a:r>
+            <a:r>
+              <a:rPr lang="en-US" dirty="0" err="1"/>
+              <a:t>paso</a:t>
+            </a:r>
+            <a:r>
+              <a:rPr lang="en-US" dirty="0"/>
+              <a:t> 9</a:t>
+            </a:r>
+            <a:endParaRPr lang="en-US" dirty="0" smtClean="0"/>
           </a:p>
           <a:p>
             <a:pPr lvl="1"/>
@@ -3931,8 +3969,29 @@
             </a:r>
             <a:r>
               <a:rPr lang="en-US" dirty="0" smtClean="0"/>
-              <a:t> a B”</a:t>
-            </a:r>
+              <a:t> a B</a:t>
+            </a:r>
+            <a:r>
+              <a:rPr lang="en-US" dirty="0" smtClean="0"/>
+              <a:t>”, </a:t>
+            </a:r>
+            <a:r>
+              <a:rPr lang="en-US" dirty="0" err="1"/>
+              <a:t>siga</a:t>
+            </a:r>
+            <a:r>
+              <a:rPr lang="en-US" dirty="0"/>
+              <a:t> al </a:t>
+            </a:r>
+            <a:r>
+              <a:rPr lang="en-US" dirty="0" err="1"/>
+              <a:t>paso</a:t>
+            </a:r>
+            <a:r>
+              <a:rPr lang="en-US" dirty="0"/>
+              <a:t> 9</a:t>
+            </a:r>
+            <a:endParaRPr lang="en-US" dirty="0" smtClean="0"/>
           </a:p>
           <a:p>
             <a:pPr lvl="1"/>
@@ -4223,11 +4282,7 @@
             </a:r>
             <a:r>
               <a:rPr lang="en-US" dirty="0" smtClean="0"/>
-              <a:t> </a:t>
-            </a:r>
-            <a:r>
-              <a:rPr lang="en-US" dirty="0" smtClean="0"/>
-              <a:t>1</a:t>
+              <a:t> 1</a:t>
             </a:r>
           </a:p>
           <a:p>
@@ -4811,11 +4866,7 @@
             </a:r>
             <a:r>
               <a:rPr lang="en-US" dirty="0" smtClean="0"/>
-              <a:t> </a:t>
-            </a:r>
-            <a:r>
-              <a:rPr lang="en-US" dirty="0" smtClean="0"/>
-              <a:t>3</a:t>
+              <a:t> 3</a:t>
             </a:r>
           </a:p>
           <a:p>
@@ -5125,11 +5176,99 @@
             </a:r>
             <a:r>
               <a:rPr lang="en-US" dirty="0" smtClean="0"/>
-              <a:t>, </a:t>
-            </a:r>
-            <a:r>
-              <a:rPr lang="en-US" dirty="0" err="1" smtClean="0"/>
-              <a:t>teniendo</a:t>
+              <a:t> </a:t>
+            </a:r>
+            <a:r>
+              <a:rPr lang="en-US" dirty="0" err="1" smtClean="0"/>
+              <a:t>calcule</a:t>
+            </a:r>
+            <a:r>
+              <a:rPr lang="en-US" dirty="0" smtClean="0"/>
+              <a:t> el </a:t>
+            </a:r>
+            <a:r>
+              <a:rPr lang="en-US" dirty="0" err="1" smtClean="0"/>
+              <a:t>área</a:t>
+            </a:r>
+            <a:r>
+              <a:rPr lang="en-US" dirty="0" smtClean="0"/>
+              <a:t> y el </a:t>
+            </a:r>
+            <a:r>
+              <a:rPr lang="en-US" dirty="0" err="1" smtClean="0"/>
+              <a:t>perímetro</a:t>
+            </a:r>
+            <a:r>
+              <a:rPr lang="en-US" dirty="0" smtClean="0"/>
+              <a:t> de un </a:t>
+            </a:r>
+            <a:r>
+              <a:rPr lang="en-US" dirty="0" err="1" smtClean="0"/>
+              <a:t>cuadrado</a:t>
+            </a:r>
+            <a:r>
+              <a:rPr lang="en-US" dirty="0" smtClean="0"/>
+              <a:t>. El valor de la </a:t>
+            </a:r>
+            <a:r>
+              <a:rPr lang="en-US" dirty="0" err="1" smtClean="0"/>
+              <a:t>longitud</a:t>
+            </a:r>
+            <a:r>
+              <a:rPr lang="en-US" dirty="0" smtClean="0"/>
+              <a:t> del </a:t>
+            </a:r>
+            <a:r>
+              <a:rPr lang="en-US" dirty="0" err="1" smtClean="0"/>
+              <a:t>lado</a:t>
+            </a:r>
+            <a:r>
+              <a:rPr lang="en-US" dirty="0" smtClean="0"/>
+              <a:t> </a:t>
+            </a:r>
+            <a:r>
+              <a:rPr lang="en-US" dirty="0" err="1" smtClean="0"/>
+              <a:t>es</a:t>
+            </a:r>
+            <a:r>
+              <a:rPr lang="en-US" dirty="0" smtClean="0"/>
+              <a:t> </a:t>
+            </a:r>
+            <a:r>
+              <a:rPr lang="en-US" dirty="0" err="1" smtClean="0"/>
+              <a:t>ingresado</a:t>
+            </a:r>
+            <a:r>
+              <a:rPr lang="en-US" dirty="0" smtClean="0"/>
+              <a:t> </a:t>
+            </a:r>
+            <a:r>
+              <a:rPr lang="en-US" dirty="0" err="1" smtClean="0"/>
+              <a:t>por</a:t>
+            </a:r>
+            <a:r>
+              <a:rPr lang="en-US" dirty="0" smtClean="0"/>
+              <a:t> el </a:t>
+            </a:r>
+            <a:r>
+              <a:rPr lang="en-US" dirty="0" err="1" smtClean="0"/>
+              <a:t>usuario</a:t>
+            </a:r>
+            <a:r>
+              <a:rPr lang="en-US" dirty="0" smtClean="0"/>
+              <a:t>. </a:t>
+            </a:r>
+            <a:r>
+              <a:rPr lang="en-US" dirty="0" err="1" smtClean="0"/>
+              <a:t>Debe</a:t>
+            </a:r>
+            <a:r>
+              <a:rPr lang="en-US" dirty="0" smtClean="0"/>
+              <a:t> </a:t>
+            </a:r>
+            <a:r>
+              <a:rPr lang="en-US" dirty="0" err="1" smtClean="0"/>
+              <a:t>mostrar</a:t>
             </a:r>
             <a:r>
               <a:rPr lang="en-US" dirty="0" smtClean="0"/>
@@ -5137,44 +5276,21 @@
             </a:r>
             <a:r>
               <a:rPr lang="en-US" dirty="0" err="1" smtClean="0"/>
-              <a:t>conjunto</a:t>
-            </a:r>
-            <a:r>
-              <a:rPr lang="en-US" dirty="0" smtClean="0"/>
-              <a:t> de </a:t>
-            </a:r>
-            <a:r>
-              <a:rPr lang="en-US" dirty="0" err="1" smtClean="0"/>
-              <a:t>números</a:t>
-            </a:r>
-            <a:r>
-              <a:rPr lang="en-US" dirty="0"/>
-              <a:t> </a:t>
-            </a:r>
-            <a:r>
-              <a:rPr lang="en-US" dirty="0" err="1" smtClean="0"/>
-              <a:t>enteros</a:t>
-            </a:r>
-            <a:r>
-              <a:rPr lang="en-US" dirty="0" smtClean="0"/>
-              <a:t>, los </a:t>
-            </a:r>
-            <a:r>
-              <a:rPr lang="en-US" dirty="0" err="1" smtClean="0"/>
-              <a:t>ordene</a:t>
-            </a:r>
-            <a:r>
-              <a:rPr lang="en-US" dirty="0" smtClean="0"/>
-              <a:t> de forma </a:t>
-            </a:r>
-            <a:r>
-              <a:rPr lang="en-US" dirty="0" err="1" smtClean="0"/>
-              <a:t>ascendente</a:t>
-            </a:r>
-            <a:r>
-              <a:rPr lang="en-US" dirty="0" smtClean="0"/>
+              <a:t>mensaje</a:t>
+            </a:r>
+            <a:r>
+              <a:rPr lang="en-US" dirty="0" smtClean="0"/>
+              <a:t> con los dos </a:t>
+            </a:r>
+            <a:r>
+              <a:rPr lang="en-US" dirty="0" err="1" smtClean="0"/>
+              <a:t>valores</a:t>
+            </a:r>
+            <a:r>
+              <a:rPr lang="en-US" smtClean="0"/>
               <a:t>.</a:t>
             </a:r>
+            <a:endParaRPr lang="en-US" dirty="0" smtClean="0"/>
           </a:p>
           <a:p>
             <a:pPr lvl="1"/>
@@ -5280,11 +5396,7 @@
             </a:r>
             <a:r>
               <a:rPr lang="en-US" dirty="0" smtClean="0"/>
-              <a:t> </a:t>
-            </a:r>
-            <a:r>
-              <a:rPr lang="en-US" dirty="0" smtClean="0"/>
-              <a:t>de </a:t>
+              <a:t> de </a:t>
             </a:r>
             <a:r>
               <a:rPr lang="en-US" dirty="0" err="1" smtClean="0"/>
@@ -5979,11 +6091,7 @@
             </a:r>
             <a:r>
               <a:rPr lang="en-US" dirty="0" smtClean="0"/>
-              <a:t> </a:t>
-            </a:r>
-            <a:r>
-              <a:rPr lang="en-US" dirty="0" smtClean="0"/>
-              <a:t>le </a:t>
+              <a:t> le </a:t>
             </a:r>
             <a:r>
               <a:rPr lang="en-US" dirty="0" err="1" smtClean="0"/>
